--- a/files/project.introduction.pptx
+++ b/files/project.introduction.pptx
@@ -13,8 +13,8 @@
     <p:sldId id="262" r:id="rId4"/>
     <p:sldId id="258" r:id="rId5"/>
     <p:sldId id="260" r:id="rId6"/>
-    <p:sldId id="263" r:id="rId7"/>
-    <p:sldId id="264" r:id="rId8"/>
+    <p:sldId id="264" r:id="rId7"/>
+    <p:sldId id="263" r:id="rId8"/>
   </p:sldIdLst>
   <p:sldSz cx="9144000" cy="6858000" type="screen4x3"/>
   <p:notesSz cx="6858000" cy="9144000"/>
@@ -1736,6 +1736,13 @@
         </dgm:presLayoutVars>
       </dgm:prSet>
       <dgm:spPr/>
+      <dgm:t>
+        <a:bodyPr/>
+        <a:lstStyle/>
+        <a:p>
+          <a:endParaRPr lang="en-US"/>
+        </a:p>
+      </dgm:t>
     </dgm:pt>
     <dgm:pt modelId="{DBAB87A9-9724-48E5-BED4-0D05E4B3E600}" type="pres">
       <dgm:prSet presAssocID="{F0EA5436-0A2A-4C3C-8A9D-4D2A9383B43A}" presName="horFlow" presStyleCnt="0"/>
@@ -1763,6 +1770,13 @@
         </dgm:presLayoutVars>
       </dgm:prSet>
       <dgm:spPr/>
+      <dgm:t>
+        <a:bodyPr/>
+        <a:lstStyle/>
+        <a:p>
+          <a:endParaRPr lang="en-US"/>
+        </a:p>
+      </dgm:t>
     </dgm:pt>
     <dgm:pt modelId="{2AEB7883-3DDA-4407-B97C-7A58D5BDA588}" type="pres">
       <dgm:prSet presAssocID="{41E26D51-9188-4713-AC3B-35620AA5FE89}" presName="sibTrans" presStyleCnt="0"/>
@@ -1832,6 +1846,13 @@
         </dgm:presLayoutVars>
       </dgm:prSet>
       <dgm:spPr/>
+      <dgm:t>
+        <a:bodyPr/>
+        <a:lstStyle/>
+        <a:p>
+          <a:endParaRPr lang="en-US"/>
+        </a:p>
+      </dgm:t>
     </dgm:pt>
     <dgm:pt modelId="{2CE815EB-CC03-48CC-9F03-BDFA5C121C72}" type="pres">
       <dgm:prSet presAssocID="{2D0FC4A5-A7EB-448D-96BE-278C1B52F83C}" presName="sibTrans" presStyleCnt="0"/>
@@ -1844,6 +1865,13 @@
         </dgm:presLayoutVars>
       </dgm:prSet>
       <dgm:spPr/>
+      <dgm:t>
+        <a:bodyPr/>
+        <a:lstStyle/>
+        <a:p>
+          <a:endParaRPr lang="en-US"/>
+        </a:p>
+      </dgm:t>
     </dgm:pt>
     <dgm:pt modelId="{181F1EEE-D73D-4CB1-9632-35A599229B5D}" type="pres">
       <dgm:prSet presAssocID="{9B09BF09-143A-4F2E-8DDC-226291A14273}" presName="sibTrans" presStyleCnt="0"/>
@@ -1894,6 +1922,13 @@
     <dgm:pt modelId="{27FB09F8-5475-4D55-9ABD-D4B13F0BA557}" type="pres">
       <dgm:prSet presAssocID="{877FD191-3407-4654-B34F-9AEFFC04ADBA}" presName="bigChev" presStyleLbl="node1" presStyleIdx="2" presStyleCnt="5"/>
       <dgm:spPr/>
+      <dgm:t>
+        <a:bodyPr/>
+        <a:lstStyle/>
+        <a:p>
+          <a:endParaRPr lang="en-US"/>
+        </a:p>
+      </dgm:t>
     </dgm:pt>
     <dgm:pt modelId="{5782B712-EA6B-4BF2-B9C6-2AA663AADF2A}" type="pres">
       <dgm:prSet presAssocID="{C0469743-69D7-4E8C-BB6B-072A5479C96E}" presName="parTrans" presStyleCnt="0"/>
@@ -1906,6 +1941,13 @@
         </dgm:presLayoutVars>
       </dgm:prSet>
       <dgm:spPr/>
+      <dgm:t>
+        <a:bodyPr/>
+        <a:lstStyle/>
+        <a:p>
+          <a:endParaRPr lang="en-US"/>
+        </a:p>
+      </dgm:t>
     </dgm:pt>
     <dgm:pt modelId="{548C5508-9306-4AA7-9010-1DC08654D68B}" type="pres">
       <dgm:prSet presAssocID="{3703F012-AE7A-4ABD-A02D-3B0AC4F9E7F0}" presName="sibTrans" presStyleCnt="0"/>
@@ -1918,6 +1960,13 @@
         </dgm:presLayoutVars>
       </dgm:prSet>
       <dgm:spPr/>
+      <dgm:t>
+        <a:bodyPr/>
+        <a:lstStyle/>
+        <a:p>
+          <a:endParaRPr lang="en-US"/>
+        </a:p>
+      </dgm:t>
     </dgm:pt>
     <dgm:pt modelId="{6B198378-6248-4581-B70B-0F5D049F4D1E}" type="pres">
       <dgm:prSet presAssocID="{18810334-01BB-4052-B484-6775AC9DD7D0}" presName="sibTrans" presStyleCnt="0"/>
@@ -1930,6 +1979,13 @@
         </dgm:presLayoutVars>
       </dgm:prSet>
       <dgm:spPr/>
+      <dgm:t>
+        <a:bodyPr/>
+        <a:lstStyle/>
+        <a:p>
+          <a:endParaRPr lang="en-US"/>
+        </a:p>
+      </dgm:t>
     </dgm:pt>
     <dgm:pt modelId="{0E672B08-556D-4DB8-A195-E8468BF624AD}" type="pres">
       <dgm:prSet presAssocID="{BCB0725E-0659-41BC-A69A-FBE0AE5F13FB}" presName="sibTrans" presStyleCnt="0"/>
@@ -1942,6 +1998,13 @@
         </dgm:presLayoutVars>
       </dgm:prSet>
       <dgm:spPr/>
+      <dgm:t>
+        <a:bodyPr/>
+        <a:lstStyle/>
+        <a:p>
+          <a:endParaRPr lang="en-US"/>
+        </a:p>
+      </dgm:t>
     </dgm:pt>
     <dgm:pt modelId="{D3071980-97DC-4C6E-B1EC-25B13081E372}" type="pres">
       <dgm:prSet presAssocID="{26CAD44F-7DC5-481E-91BD-BECD40D0A006}" presName="sibTrans" presStyleCnt="0"/>
@@ -1954,6 +2017,13 @@
         </dgm:presLayoutVars>
       </dgm:prSet>
       <dgm:spPr/>
+      <dgm:t>
+        <a:bodyPr/>
+        <a:lstStyle/>
+        <a:p>
+          <a:endParaRPr lang="en-US"/>
+        </a:p>
+      </dgm:t>
     </dgm:pt>
     <dgm:pt modelId="{9E8EF9C4-4878-4558-B9B9-4D0D32B2C6B8}" type="pres">
       <dgm:prSet presAssocID="{517A43D9-70F6-4C19-BE4C-B0C2591515B4}" presName="sibTrans" presStyleCnt="0"/>
@@ -1966,6 +2036,13 @@
         </dgm:presLayoutVars>
       </dgm:prSet>
       <dgm:spPr/>
+      <dgm:t>
+        <a:bodyPr/>
+        <a:lstStyle/>
+        <a:p>
+          <a:endParaRPr lang="en-US"/>
+        </a:p>
+      </dgm:t>
     </dgm:pt>
     <dgm:pt modelId="{53347C78-CC43-48FF-8F01-AED27238D6C5}" type="pres">
       <dgm:prSet presAssocID="{877FD191-3407-4654-B34F-9AEFFC04ADBA}" presName="vSp" presStyleCnt="0"/>
@@ -1997,6 +2074,13 @@
         </dgm:presLayoutVars>
       </dgm:prSet>
       <dgm:spPr/>
+      <dgm:t>
+        <a:bodyPr/>
+        <a:lstStyle/>
+        <a:p>
+          <a:endParaRPr lang="en-US"/>
+        </a:p>
+      </dgm:t>
     </dgm:pt>
     <dgm:pt modelId="{258D89F1-3F89-4CC4-9290-9490F575A8B8}" type="pres">
       <dgm:prSet presAssocID="{71276233-A147-4EAB-BE32-9564E0BC5775}" presName="vSp" presStyleCnt="0"/>
@@ -2028,6 +2112,13 @@
         </dgm:presLayoutVars>
       </dgm:prSet>
       <dgm:spPr/>
+      <dgm:t>
+        <a:bodyPr/>
+        <a:lstStyle/>
+        <a:p>
+          <a:endParaRPr lang="en-US"/>
+        </a:p>
+      </dgm:t>
     </dgm:pt>
     <dgm:pt modelId="{501073C7-E6B8-4D92-889C-0B0E89DCA644}" type="pres">
       <dgm:prSet presAssocID="{238E0332-E54D-49B6-B3D2-9C7690003B32}" presName="sibTrans" presStyleCnt="0"/>
@@ -2040,6 +2131,13 @@
         </dgm:presLayoutVars>
       </dgm:prSet>
       <dgm:spPr/>
+      <dgm:t>
+        <a:bodyPr/>
+        <a:lstStyle/>
+        <a:p>
+          <a:endParaRPr lang="en-US"/>
+        </a:p>
+      </dgm:t>
     </dgm:pt>
     <dgm:pt modelId="{C7F5FD8A-966F-4699-853B-C4B51F560548}" type="pres">
       <dgm:prSet presAssocID="{FF179D0A-46C4-49FB-BE1A-ABB6A694C872}" presName="sibTrans" presStyleCnt="0"/>
@@ -2052,54 +2150,61 @@
         </dgm:presLayoutVars>
       </dgm:prSet>
       <dgm:spPr/>
+      <dgm:t>
+        <a:bodyPr/>
+        <a:lstStyle/>
+        <a:p>
+          <a:endParaRPr lang="en-US"/>
+        </a:p>
+      </dgm:t>
     </dgm:pt>
   </dgm:ptLst>
   <dgm:cxnLst>
-    <dgm:cxn modelId="{67B3DB39-5718-42F5-91C7-5816087EEF48}" type="presOf" srcId="{877FD191-3407-4654-B34F-9AEFFC04ADBA}" destId="{27FB09F8-5475-4D55-9ABD-D4B13F0BA557}" srcOrd="0" destOrd="0" presId="urn:microsoft.com/office/officeart/2005/8/layout/lProcess3"/>
+    <dgm:cxn modelId="{F2109736-01FF-44BA-BC4D-3EDEEACFCEFD}" srcId="{67458F49-7B93-4358-913F-4A674AADF474}" destId="{71276233-A147-4EAB-BE32-9564E0BC5775}" srcOrd="3" destOrd="0" parTransId="{2CD94ED1-4983-4190-8D24-D452DDEAAB81}" sibTransId="{CB8ED882-C89E-478E-98EC-6C0C3AC73BF7}"/>
+    <dgm:cxn modelId="{9872F8B7-BC5B-4B94-BE42-227B4206D329}" srcId="{877FD191-3407-4654-B34F-9AEFFC04ADBA}" destId="{F5EABC6F-353F-4B97-A6D0-04B7AEE7F9D7}" srcOrd="4" destOrd="0" parTransId="{FAC50259-7E77-40E1-B30C-C5EC8F5D6444}" sibTransId="{517A43D9-70F6-4C19-BE4C-B0C2591515B4}"/>
     <dgm:cxn modelId="{BA7A8DA0-FCA5-4239-A055-23D75195BCF1}" srcId="{F0EA5436-0A2A-4C3C-8A9D-4D2A9383B43A}" destId="{5F186A26-D9B9-4636-BCAC-E6445ABD1299}" srcOrd="0" destOrd="0" parTransId="{B943071F-2035-48B5-A93A-29189C33956B}" sibTransId="{41E26D51-9188-4713-AC3B-35620AA5FE89}"/>
-    <dgm:cxn modelId="{E85424A9-2BF4-4AD3-BF1C-79A2E3E06D94}" type="presOf" srcId="{40A4EDD8-B134-4ED1-BB0E-E453F2F6CF64}" destId="{88E9B00B-2D0A-4F64-BCF0-A11B8F287EF0}" srcOrd="0" destOrd="0" presId="urn:microsoft.com/office/officeart/2005/8/layout/lProcess3"/>
+    <dgm:cxn modelId="{A082B76C-8626-4AD6-84CD-6C552143A28D}" srcId="{FE7EBAB2-041E-48BA-8CB8-18B9228F9C4B}" destId="{2124234E-B814-44ED-BC14-13E6994574F1}" srcOrd="0" destOrd="0" parTransId="{94B380CA-81A7-4C01-90F3-2E281449C5EE}" sibTransId="{238E0332-E54D-49B6-B3D2-9C7690003B32}"/>
+    <dgm:cxn modelId="{45A9DCD9-FEC7-4F8F-A1B9-740D005860D8}" type="presOf" srcId="{BBEF6137-A0BB-4961-A652-310ED5757E11}" destId="{54E8E0B9-5386-48E2-9C8F-DED502E6C916}" srcOrd="0" destOrd="0" presId="urn:microsoft.com/office/officeart/2005/8/layout/lProcess3"/>
+    <dgm:cxn modelId="{31079C71-6495-497B-8DC7-F8732CF94DBC}" srcId="{FE7EBAB2-041E-48BA-8CB8-18B9228F9C4B}" destId="{AA9D7D6A-ADF4-41C6-A718-A610AB8D63FA}" srcOrd="1" destOrd="0" parTransId="{9F3923A6-E4FB-42C2-A49D-43D908E5E5F6}" sibTransId="{FF179D0A-46C4-49FB-BE1A-ABB6A694C872}"/>
+    <dgm:cxn modelId="{1C8488A6-757A-4210-8B93-5B52F535A388}" srcId="{71276233-A147-4EAB-BE32-9564E0BC5775}" destId="{DB02FD48-9359-46B5-83D6-3B7443EA65C9}" srcOrd="0" destOrd="0" parTransId="{52A0F5C4-0502-49EB-BE5E-47D82A514049}" sibTransId="{904CC364-3001-49AD-A34E-ABFF46940A24}"/>
+    <dgm:cxn modelId="{F7EF567C-C55B-44AB-922B-175014BD793F}" type="presOf" srcId="{F0EA5436-0A2A-4C3C-8A9D-4D2A9383B43A}" destId="{A5788B1B-275D-4612-83BF-C04A24A7B05E}" srcOrd="0" destOrd="0" presId="urn:microsoft.com/office/officeart/2005/8/layout/lProcess3"/>
+    <dgm:cxn modelId="{6F730081-2CB9-479E-B045-960C4FFE1857}" type="presOf" srcId="{2124234E-B814-44ED-BC14-13E6994574F1}" destId="{16860CC2-78F7-4EBA-ADF1-97113F6B139A}" srcOrd="0" destOrd="0" presId="urn:microsoft.com/office/officeart/2005/8/layout/lProcess3"/>
+    <dgm:cxn modelId="{F2577275-D23D-4982-9156-6233BC527069}" type="presOf" srcId="{DB02FD48-9359-46B5-83D6-3B7443EA65C9}" destId="{39EA8BC0-A38A-4100-974C-B64266A4621C}" srcOrd="0" destOrd="0" presId="urn:microsoft.com/office/officeart/2005/8/layout/lProcess3"/>
+    <dgm:cxn modelId="{D5A0478F-AC92-4DD9-8B1F-7666C11D88C6}" srcId="{877FD191-3407-4654-B34F-9AEFFC04ADBA}" destId="{2DB52FA5-46C2-4F6C-B563-8DDE7ED76833}" srcOrd="0" destOrd="0" parTransId="{C0469743-69D7-4E8C-BB6B-072A5479C96E}" sibTransId="{3703F012-AE7A-4ABD-A02D-3B0AC4F9E7F0}"/>
+    <dgm:cxn modelId="{5860D703-BFB7-4772-B77C-75649B25562E}" srcId="{877FD191-3407-4654-B34F-9AEFFC04ADBA}" destId="{D309073F-8659-41B8-8E3D-066040F6C45C}" srcOrd="3" destOrd="0" parTransId="{0BDD0EDA-E9E9-4372-B460-024C538FD8CE}" sibTransId="{26CAD44F-7DC5-481E-91BD-BECD40D0A006}"/>
+    <dgm:cxn modelId="{20C73519-D857-4964-8D28-2D914B4BA9FA}" srcId="{67458F49-7B93-4358-913F-4A674AADF474}" destId="{FE7EBAB2-041E-48BA-8CB8-18B9228F9C4B}" srcOrd="4" destOrd="0" parTransId="{C77F5336-0C01-4038-A2B0-BCC7400914A4}" sibTransId="{74858592-ABCF-47E2-BDE5-ADDA55159A46}"/>
+    <dgm:cxn modelId="{FDBC20ED-3DD3-43F5-93B1-9592A37D981E}" srcId="{67458F49-7B93-4358-913F-4A674AADF474}" destId="{345138DD-B2D4-49C2-892A-3193C767E6ED}" srcOrd="1" destOrd="0" parTransId="{05571922-6855-47E2-A115-A41473DB6C7A}" sibTransId="{A4ADD818-65B5-4FD4-A620-A91F5EBDE307}"/>
+    <dgm:cxn modelId="{69F3B59B-157B-400D-8290-1C22B4559A01}" type="presOf" srcId="{71276233-A147-4EAB-BE32-9564E0BC5775}" destId="{CD9EDDD4-CB2E-4EAD-A765-BA0AA2CD3311}" srcOrd="0" destOrd="0" presId="urn:microsoft.com/office/officeart/2005/8/layout/lProcess3"/>
+    <dgm:cxn modelId="{6588B2F1-7DBF-4CDC-8893-58D475F5DECE}" type="presOf" srcId="{5F186A26-D9B9-4636-BCAC-E6445ABD1299}" destId="{92356650-EFDB-46B8-A55F-4BC970DE9FBF}" srcOrd="0" destOrd="0" presId="urn:microsoft.com/office/officeart/2005/8/layout/lProcess3"/>
+    <dgm:cxn modelId="{8BBF182E-4249-47EF-AD85-E9D2E7792171}" srcId="{F0EA5436-0A2A-4C3C-8A9D-4D2A9383B43A}" destId="{7976DCAF-7399-46CC-B17A-3AD364AFCA92}" srcOrd="1" destOrd="0" parTransId="{10409055-66C9-4E2C-AE14-57B6715EB9AA}" sibTransId="{EC8CF143-1CE8-48E5-8E4B-4E1363ECC4FF}"/>
+    <dgm:cxn modelId="{1F573E6E-1ED5-4C02-BF69-F6EB05FCF0EF}" type="presOf" srcId="{4C0760F7-9888-4C51-8B68-C6E44E98DB1D}" destId="{0E4CFAAE-D4E1-48B1-8E32-B562D86CC779}" srcOrd="0" destOrd="0" presId="urn:microsoft.com/office/officeart/2005/8/layout/lProcess3"/>
+    <dgm:cxn modelId="{B2CFFB83-5C5E-499A-9D5C-81727B3DF475}" type="presOf" srcId="{F5EABC6F-353F-4B97-A6D0-04B7AEE7F9D7}" destId="{65BD8FE4-4AE2-4B8C-ADE5-5B3AEE318590}" srcOrd="0" destOrd="0" presId="urn:microsoft.com/office/officeart/2005/8/layout/lProcess3"/>
+    <dgm:cxn modelId="{1CA61F5F-4399-4A80-897B-1C169F2C4506}" type="presOf" srcId="{AA9D7D6A-ADF4-41C6-A718-A610AB8D63FA}" destId="{EE32003B-26D8-4B29-996E-62ED651D79A0}" srcOrd="0" destOrd="0" presId="urn:microsoft.com/office/officeart/2005/8/layout/lProcess3"/>
+    <dgm:cxn modelId="{578DCDA1-891E-4196-828E-D11021F59532}" type="presOf" srcId="{347D18F9-6854-4E4D-B019-CCB8FAD55D11}" destId="{0ED5D04C-6DB3-4BF6-AC42-434BEB758DA8}" srcOrd="0" destOrd="0" presId="urn:microsoft.com/office/officeart/2005/8/layout/lProcess3"/>
     <dgm:cxn modelId="{CE683806-6CB5-4C7A-AD2C-25704A116CCD}" type="presOf" srcId="{9791B34F-47A9-4E19-86C4-F719AD5E2148}" destId="{046AC440-FCF8-4C51-95FE-4C2AE3B0D4A5}" srcOrd="0" destOrd="0" presId="urn:microsoft.com/office/officeart/2005/8/layout/lProcess3"/>
-    <dgm:cxn modelId="{1CA61F5F-4399-4A80-897B-1C169F2C4506}" type="presOf" srcId="{AA9D7D6A-ADF4-41C6-A718-A610AB8D63FA}" destId="{EE32003B-26D8-4B29-996E-62ED651D79A0}" srcOrd="0" destOrd="0" presId="urn:microsoft.com/office/officeart/2005/8/layout/lProcess3"/>
-    <dgm:cxn modelId="{FDBC20ED-3DD3-43F5-93B1-9592A37D981E}" srcId="{67458F49-7B93-4358-913F-4A674AADF474}" destId="{345138DD-B2D4-49C2-892A-3193C767E6ED}" srcOrd="1" destOrd="0" parTransId="{05571922-6855-47E2-A115-A41473DB6C7A}" sibTransId="{A4ADD818-65B5-4FD4-A620-A91F5EBDE307}"/>
+    <dgm:cxn modelId="{94BD0576-67E9-4C6F-961B-D872154D9E84}" type="presOf" srcId="{345138DD-B2D4-49C2-892A-3193C767E6ED}" destId="{88A62E44-2E8B-4A48-BA83-E2D5E9D60105}" srcOrd="0" destOrd="0" presId="urn:microsoft.com/office/officeart/2005/8/layout/lProcess3"/>
+    <dgm:cxn modelId="{82279611-2FFF-4592-A7B4-D2FD6B0FD796}" type="presOf" srcId="{F629D985-617F-40F2-AD1B-1E62B9B6E694}" destId="{91703411-AC24-4A1E-8E3F-4E2E495524A2}" srcOrd="0" destOrd="0" presId="urn:microsoft.com/office/officeart/2005/8/layout/lProcess3"/>
+    <dgm:cxn modelId="{32016FFA-DE9F-4BFF-B109-445B30FF1927}" srcId="{877FD191-3407-4654-B34F-9AEFFC04ADBA}" destId="{F629D985-617F-40F2-AD1B-1E62B9B6E694}" srcOrd="2" destOrd="0" parTransId="{0AD1F344-CB18-4787-AF30-9C6837AA70C7}" sibTransId="{BCB0725E-0659-41BC-A69A-FBE0AE5F13FB}"/>
+    <dgm:cxn modelId="{A053C1F6-B946-445B-A3A0-59637F37B039}" type="presOf" srcId="{FE7EBAB2-041E-48BA-8CB8-18B9228F9C4B}" destId="{98F62C65-217D-450D-878B-A15A4318DF79}" srcOrd="0" destOrd="0" presId="urn:microsoft.com/office/officeart/2005/8/layout/lProcess3"/>
+    <dgm:cxn modelId="{E268EB61-EC64-4001-AC5F-FEBD0BA4DBA1}" srcId="{F0EA5436-0A2A-4C3C-8A9D-4D2A9383B43A}" destId="{347D18F9-6854-4E4D-B019-CCB8FAD55D11}" srcOrd="2" destOrd="0" parTransId="{2F2E5291-5E8C-4C96-B624-84360B5F4E19}" sibTransId="{1FC55EA8-D67C-4696-8983-D2D0EE40E418}"/>
+    <dgm:cxn modelId="{2A35AA67-D3EA-47AB-A99C-F56A91C69FBE}" type="presOf" srcId="{D309073F-8659-41B8-8E3D-066040F6C45C}" destId="{75DD8267-0672-4B54-ACC0-6365CD9224B1}" srcOrd="0" destOrd="0" presId="urn:microsoft.com/office/officeart/2005/8/layout/lProcess3"/>
+    <dgm:cxn modelId="{17417BBB-A8B8-43A1-8402-5528FF1E7439}" srcId="{345138DD-B2D4-49C2-892A-3193C767E6ED}" destId="{11E4466A-D9FA-4092-A6B1-1921EDE14DAD}" srcOrd="1" destOrd="0" parTransId="{BCD615EF-9178-45ED-B2E4-3B9EB644FC4B}" sibTransId="{9B09BF09-143A-4F2E-8DDC-226291A14273}"/>
+    <dgm:cxn modelId="{0160A207-0840-462A-896C-DCC36C464DAF}" srcId="{345138DD-B2D4-49C2-892A-3193C767E6ED}" destId="{9791B34F-47A9-4E19-86C4-F719AD5E2148}" srcOrd="0" destOrd="0" parTransId="{FA1CFE79-BF88-4F8D-BB2D-733958FFD4E1}" sibTransId="{2D0FC4A5-A7EB-448D-96BE-278C1B52F83C}"/>
+    <dgm:cxn modelId="{C1B4D0C5-A9A2-443F-B501-30221DECE174}" srcId="{345138DD-B2D4-49C2-892A-3193C767E6ED}" destId="{D1945358-7B7D-4317-99D4-E67C3128E0E5}" srcOrd="2" destOrd="0" parTransId="{1E3D9F26-A0C5-4151-99FF-003DD3376143}" sibTransId="{0A36E8B2-2347-43BA-91E5-04C263587E54}"/>
     <dgm:cxn modelId="{B58F9A74-48CA-46D3-8153-731936726F35}" type="presOf" srcId="{D1945358-7B7D-4317-99D4-E67C3128E0E5}" destId="{66ED442A-35A4-4E03-9B0D-173A7AF381C9}" srcOrd="0" destOrd="0" presId="urn:microsoft.com/office/officeart/2005/8/layout/lProcess3"/>
     <dgm:cxn modelId="{D0129E8B-0273-47A8-94B7-D9DFBD652273}" type="presOf" srcId="{11E4466A-D9FA-4092-A6B1-1921EDE14DAD}" destId="{019DF3CB-C9EC-4197-BD50-D8BB373EE547}" srcOrd="0" destOrd="0" presId="urn:microsoft.com/office/officeart/2005/8/layout/lProcess3"/>
-    <dgm:cxn modelId="{94BD0576-67E9-4C6F-961B-D872154D9E84}" type="presOf" srcId="{345138DD-B2D4-49C2-892A-3193C767E6ED}" destId="{88A62E44-2E8B-4A48-BA83-E2D5E9D60105}" srcOrd="0" destOrd="0" presId="urn:microsoft.com/office/officeart/2005/8/layout/lProcess3"/>
+    <dgm:cxn modelId="{8E9D2201-D079-46AE-B5AF-AFD349C08C47}" type="presOf" srcId="{67458F49-7B93-4358-913F-4A674AADF474}" destId="{188FD2F8-0249-436B-9A38-88D5CB161B01}" srcOrd="0" destOrd="0" presId="urn:microsoft.com/office/officeart/2005/8/layout/lProcess3"/>
+    <dgm:cxn modelId="{E85424A9-2BF4-4AD3-BF1C-79A2E3E06D94}" type="presOf" srcId="{40A4EDD8-B134-4ED1-BB0E-E453F2F6CF64}" destId="{88E9B00B-2D0A-4F64-BCF0-A11B8F287EF0}" srcOrd="0" destOrd="0" presId="urn:microsoft.com/office/officeart/2005/8/layout/lProcess3"/>
     <dgm:cxn modelId="{38C74F20-170A-4269-A73F-10FAA36DC366}" type="presOf" srcId="{2DB52FA5-46C2-4F6C-B563-8DDE7ED76833}" destId="{77A4EB62-C957-40BE-895C-E803F062B66B}" srcOrd="0" destOrd="0" presId="urn:microsoft.com/office/officeart/2005/8/layout/lProcess3"/>
+    <dgm:cxn modelId="{76A8C4E0-A3BB-4FE8-851A-C65713425810}" type="presOf" srcId="{656DDD3D-DF7E-4049-8E32-0640FC461E5B}" destId="{9E56EBB9-AF70-4F63-9879-BE1A6BBCD166}" srcOrd="0" destOrd="0" presId="urn:microsoft.com/office/officeart/2005/8/layout/lProcess3"/>
+    <dgm:cxn modelId="{A3FEA6CA-3AAF-43B9-8525-08EECFD700FC}" type="presOf" srcId="{7976DCAF-7399-46CC-B17A-3AD364AFCA92}" destId="{24C89EBE-2CE2-435F-997E-538C83D1B385}" srcOrd="0" destOrd="0" presId="urn:microsoft.com/office/officeart/2005/8/layout/lProcess3"/>
     <dgm:cxn modelId="{E07FF42B-294E-46AC-B2E7-43E7B818C116}" srcId="{67458F49-7B93-4358-913F-4A674AADF474}" destId="{877FD191-3407-4654-B34F-9AEFFC04ADBA}" srcOrd="2" destOrd="0" parTransId="{A76B4F9A-E8D4-4CFE-BC06-265B239304DC}" sibTransId="{788A1AFB-0DB9-4DEB-AA50-659A8C5184CE}"/>
+    <dgm:cxn modelId="{AB01AB76-C321-4A56-860B-5F5CFC101B7C}" srcId="{345138DD-B2D4-49C2-892A-3193C767E6ED}" destId="{40A4EDD8-B134-4ED1-BB0E-E453F2F6CF64}" srcOrd="3" destOrd="0" parTransId="{49C0979F-FFA9-458F-A56C-2E4C01930A0D}" sibTransId="{11050BC0-59DD-47EB-8C48-AF9003A5E30A}"/>
+    <dgm:cxn modelId="{C97EEF91-5DE4-47E3-8146-560C3B350D7B}" srcId="{877FD191-3407-4654-B34F-9AEFFC04ADBA}" destId="{BBEF6137-A0BB-4961-A652-310ED5757E11}" srcOrd="5" destOrd="0" parTransId="{6AFAB9F9-1CAD-4C4C-8FD2-327E6D07577A}" sibTransId="{1B698D65-9412-458A-9AFE-93C4E109F897}"/>
+    <dgm:cxn modelId="{848FD5AC-550D-433D-A822-4EEADDC87589}" srcId="{67458F49-7B93-4358-913F-4A674AADF474}" destId="{F0EA5436-0A2A-4C3C-8A9D-4D2A9383B43A}" srcOrd="0" destOrd="0" parTransId="{B279AE69-03BD-462F-B5F2-A864CC6E92D1}" sibTransId="{BC164A88-E75B-4F9A-B2E5-84936746E40C}"/>
     <dgm:cxn modelId="{BA8C20D4-2C35-441A-BAE0-1D2FC721BE19}" srcId="{FE7EBAB2-041E-48BA-8CB8-18B9228F9C4B}" destId="{4C0760F7-9888-4C51-8B68-C6E44E98DB1D}" srcOrd="2" destOrd="0" parTransId="{9CE80311-C823-4D03-ACE7-24B61E5ACC81}" sibTransId="{13EBD191-BA8D-4ADE-96FE-74FECB9C4D1D}"/>
-    <dgm:cxn modelId="{20C73519-D857-4964-8D28-2D914B4BA9FA}" srcId="{67458F49-7B93-4358-913F-4A674AADF474}" destId="{FE7EBAB2-041E-48BA-8CB8-18B9228F9C4B}" srcOrd="4" destOrd="0" parTransId="{C77F5336-0C01-4038-A2B0-BCC7400914A4}" sibTransId="{74858592-ABCF-47E2-BDE5-ADDA55159A46}"/>
-    <dgm:cxn modelId="{69F3B59B-157B-400D-8290-1C22B4559A01}" type="presOf" srcId="{71276233-A147-4EAB-BE32-9564E0BC5775}" destId="{CD9EDDD4-CB2E-4EAD-A765-BA0AA2CD3311}" srcOrd="0" destOrd="0" presId="urn:microsoft.com/office/officeart/2005/8/layout/lProcess3"/>
-    <dgm:cxn modelId="{6588B2F1-7DBF-4CDC-8893-58D475F5DECE}" type="presOf" srcId="{5F186A26-D9B9-4636-BCAC-E6445ABD1299}" destId="{92356650-EFDB-46B8-A55F-4BC970DE9FBF}" srcOrd="0" destOrd="0" presId="urn:microsoft.com/office/officeart/2005/8/layout/lProcess3"/>
-    <dgm:cxn modelId="{1C8488A6-757A-4210-8B93-5B52F535A388}" srcId="{71276233-A147-4EAB-BE32-9564E0BC5775}" destId="{DB02FD48-9359-46B5-83D6-3B7443EA65C9}" srcOrd="0" destOrd="0" parTransId="{52A0F5C4-0502-49EB-BE5E-47D82A514049}" sibTransId="{904CC364-3001-49AD-A34E-ABFF46940A24}"/>
-    <dgm:cxn modelId="{578DCDA1-891E-4196-828E-D11021F59532}" type="presOf" srcId="{347D18F9-6854-4E4D-B019-CCB8FAD55D11}" destId="{0ED5D04C-6DB3-4BF6-AC42-434BEB758DA8}" srcOrd="0" destOrd="0" presId="urn:microsoft.com/office/officeart/2005/8/layout/lProcess3"/>
-    <dgm:cxn modelId="{F7EF567C-C55B-44AB-922B-175014BD793F}" type="presOf" srcId="{F0EA5436-0A2A-4C3C-8A9D-4D2A9383B43A}" destId="{A5788B1B-275D-4612-83BF-C04A24A7B05E}" srcOrd="0" destOrd="0" presId="urn:microsoft.com/office/officeart/2005/8/layout/lProcess3"/>
-    <dgm:cxn modelId="{AB01AB76-C321-4A56-860B-5F5CFC101B7C}" srcId="{345138DD-B2D4-49C2-892A-3193C767E6ED}" destId="{40A4EDD8-B134-4ED1-BB0E-E453F2F6CF64}" srcOrd="3" destOrd="0" parTransId="{49C0979F-FFA9-458F-A56C-2E4C01930A0D}" sibTransId="{11050BC0-59DD-47EB-8C48-AF9003A5E30A}"/>
-    <dgm:cxn modelId="{8E9D2201-D079-46AE-B5AF-AFD349C08C47}" type="presOf" srcId="{67458F49-7B93-4358-913F-4A674AADF474}" destId="{188FD2F8-0249-436B-9A38-88D5CB161B01}" srcOrd="0" destOrd="0" presId="urn:microsoft.com/office/officeart/2005/8/layout/lProcess3"/>
-    <dgm:cxn modelId="{A3FEA6CA-3AAF-43B9-8525-08EECFD700FC}" type="presOf" srcId="{7976DCAF-7399-46CC-B17A-3AD364AFCA92}" destId="{24C89EBE-2CE2-435F-997E-538C83D1B385}" srcOrd="0" destOrd="0" presId="urn:microsoft.com/office/officeart/2005/8/layout/lProcess3"/>
-    <dgm:cxn modelId="{8BBF182E-4249-47EF-AD85-E9D2E7792171}" srcId="{F0EA5436-0A2A-4C3C-8A9D-4D2A9383B43A}" destId="{7976DCAF-7399-46CC-B17A-3AD364AFCA92}" srcOrd="1" destOrd="0" parTransId="{10409055-66C9-4E2C-AE14-57B6715EB9AA}" sibTransId="{EC8CF143-1CE8-48E5-8E4B-4E1363ECC4FF}"/>
-    <dgm:cxn modelId="{9872F8B7-BC5B-4B94-BE42-227B4206D329}" srcId="{877FD191-3407-4654-B34F-9AEFFC04ADBA}" destId="{F5EABC6F-353F-4B97-A6D0-04B7AEE7F9D7}" srcOrd="4" destOrd="0" parTransId="{FAC50259-7E77-40E1-B30C-C5EC8F5D6444}" sibTransId="{517A43D9-70F6-4C19-BE4C-B0C2591515B4}"/>
-    <dgm:cxn modelId="{848FD5AC-550D-433D-A822-4EEADDC87589}" srcId="{67458F49-7B93-4358-913F-4A674AADF474}" destId="{F0EA5436-0A2A-4C3C-8A9D-4D2A9383B43A}" srcOrd="0" destOrd="0" parTransId="{B279AE69-03BD-462F-B5F2-A864CC6E92D1}" sibTransId="{BC164A88-E75B-4F9A-B2E5-84936746E40C}"/>
-    <dgm:cxn modelId="{C97EEF91-5DE4-47E3-8146-560C3B350D7B}" srcId="{877FD191-3407-4654-B34F-9AEFFC04ADBA}" destId="{BBEF6137-A0BB-4961-A652-310ED5757E11}" srcOrd="5" destOrd="0" parTransId="{6AFAB9F9-1CAD-4C4C-8FD2-327E6D07577A}" sibTransId="{1B698D65-9412-458A-9AFE-93C4E109F897}"/>
-    <dgm:cxn modelId="{1F573E6E-1ED5-4C02-BF69-F6EB05FCF0EF}" type="presOf" srcId="{4C0760F7-9888-4C51-8B68-C6E44E98DB1D}" destId="{0E4CFAAE-D4E1-48B1-8E32-B562D86CC779}" srcOrd="0" destOrd="0" presId="urn:microsoft.com/office/officeart/2005/8/layout/lProcess3"/>
+    <dgm:cxn modelId="{67B3DB39-5718-42F5-91C7-5816087EEF48}" type="presOf" srcId="{877FD191-3407-4654-B34F-9AEFFC04ADBA}" destId="{27FB09F8-5475-4D55-9ABD-D4B13F0BA557}" srcOrd="0" destOrd="0" presId="urn:microsoft.com/office/officeart/2005/8/layout/lProcess3"/>
     <dgm:cxn modelId="{9F588CC6-E583-4DB1-B9A2-27F87CF9A8B5}" srcId="{877FD191-3407-4654-B34F-9AEFFC04ADBA}" destId="{656DDD3D-DF7E-4049-8E32-0640FC461E5B}" srcOrd="1" destOrd="0" parTransId="{9DB4F3DD-AD26-4214-A188-3B05657D73CF}" sibTransId="{18810334-01BB-4052-B484-6775AC9DD7D0}"/>
-    <dgm:cxn modelId="{F2109736-01FF-44BA-BC4D-3EDEEACFCEFD}" srcId="{67458F49-7B93-4358-913F-4A674AADF474}" destId="{71276233-A147-4EAB-BE32-9564E0BC5775}" srcOrd="3" destOrd="0" parTransId="{2CD94ED1-4983-4190-8D24-D452DDEAAB81}" sibTransId="{CB8ED882-C89E-478E-98EC-6C0C3AC73BF7}"/>
-    <dgm:cxn modelId="{76A8C4E0-A3BB-4FE8-851A-C65713425810}" type="presOf" srcId="{656DDD3D-DF7E-4049-8E32-0640FC461E5B}" destId="{9E56EBB9-AF70-4F63-9879-BE1A6BBCD166}" srcOrd="0" destOrd="0" presId="urn:microsoft.com/office/officeart/2005/8/layout/lProcess3"/>
-    <dgm:cxn modelId="{6F730081-2CB9-479E-B045-960C4FFE1857}" type="presOf" srcId="{2124234E-B814-44ED-BC14-13E6994574F1}" destId="{16860CC2-78F7-4EBA-ADF1-97113F6B139A}" srcOrd="0" destOrd="0" presId="urn:microsoft.com/office/officeart/2005/8/layout/lProcess3"/>
-    <dgm:cxn modelId="{C1B4D0C5-A9A2-443F-B501-30221DECE174}" srcId="{345138DD-B2D4-49C2-892A-3193C767E6ED}" destId="{D1945358-7B7D-4317-99D4-E67C3128E0E5}" srcOrd="2" destOrd="0" parTransId="{1E3D9F26-A0C5-4151-99FF-003DD3376143}" sibTransId="{0A36E8B2-2347-43BA-91E5-04C263587E54}"/>
-    <dgm:cxn modelId="{31079C71-6495-497B-8DC7-F8732CF94DBC}" srcId="{FE7EBAB2-041E-48BA-8CB8-18B9228F9C4B}" destId="{AA9D7D6A-ADF4-41C6-A718-A610AB8D63FA}" srcOrd="1" destOrd="0" parTransId="{9F3923A6-E4FB-42C2-A49D-43D908E5E5F6}" sibTransId="{FF179D0A-46C4-49FB-BE1A-ABB6A694C872}"/>
-    <dgm:cxn modelId="{A053C1F6-B946-445B-A3A0-59637F37B039}" type="presOf" srcId="{FE7EBAB2-041E-48BA-8CB8-18B9228F9C4B}" destId="{98F62C65-217D-450D-878B-A15A4318DF79}" srcOrd="0" destOrd="0" presId="urn:microsoft.com/office/officeart/2005/8/layout/lProcess3"/>
-    <dgm:cxn modelId="{0160A207-0840-462A-896C-DCC36C464DAF}" srcId="{345138DD-B2D4-49C2-892A-3193C767E6ED}" destId="{9791B34F-47A9-4E19-86C4-F719AD5E2148}" srcOrd="0" destOrd="0" parTransId="{FA1CFE79-BF88-4F8D-BB2D-733958FFD4E1}" sibTransId="{2D0FC4A5-A7EB-448D-96BE-278C1B52F83C}"/>
-    <dgm:cxn modelId="{D5A0478F-AC92-4DD9-8B1F-7666C11D88C6}" srcId="{877FD191-3407-4654-B34F-9AEFFC04ADBA}" destId="{2DB52FA5-46C2-4F6C-B563-8DDE7ED76833}" srcOrd="0" destOrd="0" parTransId="{C0469743-69D7-4E8C-BB6B-072A5479C96E}" sibTransId="{3703F012-AE7A-4ABD-A02D-3B0AC4F9E7F0}"/>
-    <dgm:cxn modelId="{F2577275-D23D-4982-9156-6233BC527069}" type="presOf" srcId="{DB02FD48-9359-46B5-83D6-3B7443EA65C9}" destId="{39EA8BC0-A38A-4100-974C-B64266A4621C}" srcOrd="0" destOrd="0" presId="urn:microsoft.com/office/officeart/2005/8/layout/lProcess3"/>
-    <dgm:cxn modelId="{B2CFFB83-5C5E-499A-9D5C-81727B3DF475}" type="presOf" srcId="{F5EABC6F-353F-4B97-A6D0-04B7AEE7F9D7}" destId="{65BD8FE4-4AE2-4B8C-ADE5-5B3AEE318590}" srcOrd="0" destOrd="0" presId="urn:microsoft.com/office/officeart/2005/8/layout/lProcess3"/>
-    <dgm:cxn modelId="{2A35AA67-D3EA-47AB-A99C-F56A91C69FBE}" type="presOf" srcId="{D309073F-8659-41B8-8E3D-066040F6C45C}" destId="{75DD8267-0672-4B54-ACC0-6365CD9224B1}" srcOrd="0" destOrd="0" presId="urn:microsoft.com/office/officeart/2005/8/layout/lProcess3"/>
-    <dgm:cxn modelId="{45A9DCD9-FEC7-4F8F-A1B9-740D005860D8}" type="presOf" srcId="{BBEF6137-A0BB-4961-A652-310ED5757E11}" destId="{54E8E0B9-5386-48E2-9C8F-DED502E6C916}" srcOrd="0" destOrd="0" presId="urn:microsoft.com/office/officeart/2005/8/layout/lProcess3"/>
-    <dgm:cxn modelId="{32016FFA-DE9F-4BFF-B109-445B30FF1927}" srcId="{877FD191-3407-4654-B34F-9AEFFC04ADBA}" destId="{F629D985-617F-40F2-AD1B-1E62B9B6E694}" srcOrd="2" destOrd="0" parTransId="{0AD1F344-CB18-4787-AF30-9C6837AA70C7}" sibTransId="{BCB0725E-0659-41BC-A69A-FBE0AE5F13FB}"/>
-    <dgm:cxn modelId="{17417BBB-A8B8-43A1-8402-5528FF1E7439}" srcId="{345138DD-B2D4-49C2-892A-3193C767E6ED}" destId="{11E4466A-D9FA-4092-A6B1-1921EDE14DAD}" srcOrd="1" destOrd="0" parTransId="{BCD615EF-9178-45ED-B2E4-3B9EB644FC4B}" sibTransId="{9B09BF09-143A-4F2E-8DDC-226291A14273}"/>
-    <dgm:cxn modelId="{A082B76C-8626-4AD6-84CD-6C552143A28D}" srcId="{FE7EBAB2-041E-48BA-8CB8-18B9228F9C4B}" destId="{2124234E-B814-44ED-BC14-13E6994574F1}" srcOrd="0" destOrd="0" parTransId="{94B380CA-81A7-4C01-90F3-2E281449C5EE}" sibTransId="{238E0332-E54D-49B6-B3D2-9C7690003B32}"/>
-    <dgm:cxn modelId="{82279611-2FFF-4592-A7B4-D2FD6B0FD796}" type="presOf" srcId="{F629D985-617F-40F2-AD1B-1E62B9B6E694}" destId="{91703411-AC24-4A1E-8E3F-4E2E495524A2}" srcOrd="0" destOrd="0" presId="urn:microsoft.com/office/officeart/2005/8/layout/lProcess3"/>
-    <dgm:cxn modelId="{E268EB61-EC64-4001-AC5F-FEBD0BA4DBA1}" srcId="{F0EA5436-0A2A-4C3C-8A9D-4D2A9383B43A}" destId="{347D18F9-6854-4E4D-B019-CCB8FAD55D11}" srcOrd="2" destOrd="0" parTransId="{2F2E5291-5E8C-4C96-B624-84360B5F4E19}" sibTransId="{1FC55EA8-D67C-4696-8983-D2D0EE40E418}"/>
-    <dgm:cxn modelId="{5860D703-BFB7-4772-B77C-75649B25562E}" srcId="{877FD191-3407-4654-B34F-9AEFFC04ADBA}" destId="{D309073F-8659-41B8-8E3D-066040F6C45C}" srcOrd="3" destOrd="0" parTransId="{0BDD0EDA-E9E9-4372-B460-024C538FD8CE}" sibTransId="{26CAD44F-7DC5-481E-91BD-BECD40D0A006}"/>
     <dgm:cxn modelId="{E80300A3-012C-4A79-BFA4-0EF4524D3EE2}" type="presParOf" srcId="{188FD2F8-0249-436B-9A38-88D5CB161B01}" destId="{DBAB87A9-9724-48E5-BED4-0D05E4B3E600}" srcOrd="0" destOrd="0" presId="urn:microsoft.com/office/officeart/2005/8/layout/lProcess3"/>
     <dgm:cxn modelId="{1F11040F-788E-4BA8-AE43-7F0A77756558}" type="presParOf" srcId="{DBAB87A9-9724-48E5-BED4-0D05E4B3E600}" destId="{A5788B1B-275D-4612-83BF-C04A24A7B05E}" srcOrd="0" destOrd="0" presId="urn:microsoft.com/office/officeart/2005/8/layout/lProcess3"/>
     <dgm:cxn modelId="{A3CF375E-D2FD-4336-9C98-F683FA205294}" type="presParOf" srcId="{DBAB87A9-9724-48E5-BED4-0D05E4B3E600}" destId="{BFBB9BEA-4EB9-4566-82C9-64F0A1C0E6E7}" srcOrd="1" destOrd="0" presId="urn:microsoft.com/office/officeart/2005/8/layout/lProcess3"/>
@@ -6311,7 +6416,7 @@
             <a:fld id="{1D8BD707-D9CF-40AE-B4C6-C98DA3205C09}" type="datetimeFigureOut">
               <a:rPr lang="en-US" smtClean="0"/>
               <a:pPr/>
-              <a:t>3/29/2016</a:t>
+              <a:t>3/30/2016</a:t>
             </a:fld>
             <a:endParaRPr lang="en-US"/>
           </a:p>
@@ -6496,7 +6601,7 @@
             <a:fld id="{1D8BD707-D9CF-40AE-B4C6-C98DA3205C09}" type="datetimeFigureOut">
               <a:rPr lang="en-US" smtClean="0"/>
               <a:pPr/>
-              <a:t>3/29/2016</a:t>
+              <a:t>3/30/2016</a:t>
             </a:fld>
             <a:endParaRPr lang="en-US"/>
           </a:p>
@@ -6673,7 +6778,7 @@
             <a:fld id="{1D8BD707-D9CF-40AE-B4C6-C98DA3205C09}" type="datetimeFigureOut">
               <a:rPr lang="en-US" smtClean="0"/>
               <a:pPr/>
-              <a:t>3/29/2016</a:t>
+              <a:t>3/30/2016</a:t>
             </a:fld>
             <a:endParaRPr lang="en-US"/>
           </a:p>
@@ -6840,7 +6945,7 @@
             <a:fld id="{1D8BD707-D9CF-40AE-B4C6-C98DA3205C09}" type="datetimeFigureOut">
               <a:rPr lang="en-US" smtClean="0"/>
               <a:pPr/>
-              <a:t>3/29/2016</a:t>
+              <a:t>3/30/2016</a:t>
             </a:fld>
             <a:endParaRPr lang="en-US"/>
           </a:p>
@@ -7063,7 +7168,7 @@
             <a:fld id="{1D8BD707-D9CF-40AE-B4C6-C98DA3205C09}" type="datetimeFigureOut">
               <a:rPr lang="en-US" smtClean="0"/>
               <a:pPr/>
-              <a:t>3/29/2016</a:t>
+              <a:t>3/30/2016</a:t>
             </a:fld>
             <a:endParaRPr lang="en-US"/>
           </a:p>
@@ -7324,7 +7429,7 @@
             <a:fld id="{1D8BD707-D9CF-40AE-B4C6-C98DA3205C09}" type="datetimeFigureOut">
               <a:rPr lang="en-US" smtClean="0"/>
               <a:pPr/>
-              <a:t>3/29/2016</a:t>
+              <a:t>3/30/2016</a:t>
             </a:fld>
             <a:endParaRPr lang="en-US"/>
           </a:p>
@@ -7730,7 +7835,7 @@
             <a:fld id="{1D8BD707-D9CF-40AE-B4C6-C98DA3205C09}" type="datetimeFigureOut">
               <a:rPr lang="en-US" smtClean="0"/>
               <a:pPr/>
-              <a:t>3/29/2016</a:t>
+              <a:t>3/30/2016</a:t>
             </a:fld>
             <a:endParaRPr lang="en-US"/>
           </a:p>
@@ -7863,7 +7968,7 @@
             <a:fld id="{1D8BD707-D9CF-40AE-B4C6-C98DA3205C09}" type="datetimeFigureOut">
               <a:rPr lang="en-US" smtClean="0"/>
               <a:pPr/>
-              <a:t>3/29/2016</a:t>
+              <a:t>3/30/2016</a:t>
             </a:fld>
             <a:endParaRPr lang="en-US"/>
           </a:p>
@@ -7965,7 +8070,7 @@
             <a:fld id="{1D8BD707-D9CF-40AE-B4C6-C98DA3205C09}" type="datetimeFigureOut">
               <a:rPr lang="en-US" smtClean="0"/>
               <a:pPr/>
-              <a:t>3/29/2016</a:t>
+              <a:t>3/30/2016</a:t>
             </a:fld>
             <a:endParaRPr lang="en-US"/>
           </a:p>
@@ -8212,7 +8317,7 @@
             <a:fld id="{1D8BD707-D9CF-40AE-B4C6-C98DA3205C09}" type="datetimeFigureOut">
               <a:rPr lang="en-US" smtClean="0"/>
               <a:pPr/>
-              <a:t>3/29/2016</a:t>
+              <a:t>3/30/2016</a:t>
             </a:fld>
             <a:endParaRPr lang="en-US"/>
           </a:p>
@@ -8458,7 +8563,7 @@
             <a:fld id="{1D8BD707-D9CF-40AE-B4C6-C98DA3205C09}" type="datetimeFigureOut">
               <a:rPr lang="en-US" smtClean="0"/>
               <a:pPr/>
-              <a:t>3/29/2016</a:t>
+              <a:t>3/30/2016</a:t>
             </a:fld>
             <a:endParaRPr lang="en-US"/>
           </a:p>
@@ -9284,7 +9389,7 @@
             <a:fld id="{1D8BD707-D9CF-40AE-B4C6-C98DA3205C09}" type="datetimeFigureOut">
               <a:rPr lang="en-US" smtClean="0"/>
               <a:pPr/>
-              <a:t>3/29/2016</a:t>
+              <a:t>3/30/2016</a:t>
             </a:fld>
             <a:endParaRPr lang="en-US"/>
           </a:p>
@@ -20672,11 +20777,11 @@
   <p:clrMapOvr>
     <a:masterClrMapping/>
   </p:clrMapOvr>
-  <mc:AlternateContent xmlns:mc="http://schemas.openxmlformats.org/markup-compatibility/2006">
-    <mc:Choice xmlns:p14="http://schemas.microsoft.com/office/powerpoint/2010/main" Requires="p14">
+  <mc:AlternateContent xmlns:mc="http://schemas.openxmlformats.org/markup-compatibility/2006" xmlns:p14="http://schemas.microsoft.com/office/powerpoint/2010/main">
+    <mc:Choice Requires="p14">
       <p:transition spd="slow" p14:dur="2000"/>
     </mc:Choice>
-    <mc:Fallback>
+    <mc:Fallback xmlns="">
       <p:transition spd="slow"/>
     </mc:Fallback>
   </mc:AlternateContent>
@@ -20929,6 +21034,252 @@
           <a:chExt cx="0" cy="0"/>
         </a:xfrm>
       </p:grpSpPr>
+      <p:pic>
+        <p:nvPicPr>
+          <p:cNvPr id="4098" name="Picture 2"/>
+          <p:cNvPicPr>
+            <a:picLocks noChangeAspect="1" noChangeArrowheads="1"/>
+          </p:cNvPicPr>
+          <p:nvPr/>
+        </p:nvPicPr>
+        <p:blipFill>
+          <a:blip r:embed="rId2">
+            <a:extLst>
+              <a:ext uri="{28A0092B-C50C-407E-A947-70E740481C1C}">
+                <a14:useLocalDpi xmlns:a14="http://schemas.microsoft.com/office/drawing/2010/main" val="0"/>
+              </a:ext>
+            </a:extLst>
+          </a:blip>
+          <a:srcRect/>
+          <a:stretch>
+            <a:fillRect/>
+          </a:stretch>
+        </p:blipFill>
+        <p:spPr bwMode="auto">
+          <a:xfrm>
+            <a:off x="0" y="2514600"/>
+            <a:ext cx="9144000" cy="2743200"/>
+          </a:xfrm>
+          <a:prstGeom prst="rect">
+            <a:avLst/>
+          </a:prstGeom>
+          <a:noFill/>
+          <a:ln>
+            <a:noFill/>
+          </a:ln>
+          <a:extLst>
+            <a:ext uri="{909E8E84-426E-40DD-AFC4-6F175D3DCCD1}">
+              <a14:hiddenFill xmlns:a14="http://schemas.microsoft.com/office/drawing/2010/main">
+                <a:solidFill>
+                  <a:schemeClr val="accent1"/>
+                </a:solidFill>
+              </a14:hiddenFill>
+            </a:ext>
+            <a:ext uri="{91240B29-F687-4F45-9708-019B960494DF}">
+              <a14:hiddenLine xmlns:a14="http://schemas.microsoft.com/office/drawing/2010/main" w="9525">
+                <a:solidFill>
+                  <a:schemeClr val="tx1"/>
+                </a:solidFill>
+                <a:miter lim="800000"/>
+                <a:headEnd/>
+                <a:tailEnd/>
+              </a14:hiddenLine>
+            </a:ext>
+          </a:extLst>
+        </p:spPr>
+      </p:pic>
+      <p:pic>
+        <p:nvPicPr>
+          <p:cNvPr id="4099" name="Picture 3"/>
+          <p:cNvPicPr>
+            <a:picLocks noChangeAspect="1" noChangeArrowheads="1"/>
+          </p:cNvPicPr>
+          <p:nvPr/>
+        </p:nvPicPr>
+        <p:blipFill>
+          <a:blip r:embed="rId3">
+            <a:extLst>
+              <a:ext uri="{28A0092B-C50C-407E-A947-70E740481C1C}">
+                <a14:useLocalDpi xmlns:a14="http://schemas.microsoft.com/office/drawing/2010/main" val="0"/>
+              </a:ext>
+            </a:extLst>
+          </a:blip>
+          <a:srcRect/>
+          <a:stretch>
+            <a:fillRect/>
+          </a:stretch>
+        </p:blipFill>
+        <p:spPr bwMode="auto">
+          <a:xfrm>
+            <a:off x="0" y="4419600"/>
+            <a:ext cx="9143999" cy="2438400"/>
+          </a:xfrm>
+          <a:prstGeom prst="rect">
+            <a:avLst/>
+          </a:prstGeom>
+          <a:noFill/>
+          <a:ln>
+            <a:noFill/>
+          </a:ln>
+          <a:extLst>
+            <a:ext uri="{909E8E84-426E-40DD-AFC4-6F175D3DCCD1}">
+              <a14:hiddenFill xmlns:a14="http://schemas.microsoft.com/office/drawing/2010/main">
+                <a:solidFill>
+                  <a:schemeClr val="accent1"/>
+                </a:solidFill>
+              </a14:hiddenFill>
+            </a:ext>
+            <a:ext uri="{91240B29-F687-4F45-9708-019B960494DF}">
+              <a14:hiddenLine xmlns:a14="http://schemas.microsoft.com/office/drawing/2010/main" w="9525">
+                <a:solidFill>
+                  <a:schemeClr val="tx1"/>
+                </a:solidFill>
+                <a:miter lim="800000"/>
+                <a:headEnd/>
+                <a:tailEnd/>
+              </a14:hiddenLine>
+            </a:ext>
+          </a:extLst>
+        </p:spPr>
+      </p:pic>
+      <p:sp>
+        <p:nvSpPr>
+          <p:cNvPr id="4" name="TextBox 3"/>
+          <p:cNvSpPr txBox="1"/>
+          <p:nvPr/>
+        </p:nvSpPr>
+        <p:spPr>
+          <a:xfrm>
+            <a:off x="0" y="533400"/>
+            <a:ext cx="5943600" cy="523220"/>
+          </a:xfrm>
+          <a:prstGeom prst="rect">
+            <a:avLst/>
+          </a:prstGeom>
+          <a:noFill/>
+        </p:spPr>
+        <p:txBody>
+          <a:bodyPr wrap="square" rtlCol="0">
+            <a:spAutoFit/>
+          </a:bodyPr>
+          <a:lstStyle/>
+          <a:p>
+            <a:r>
+              <a:rPr lang="en-US" sz="2800" dirty="0" err="1" smtClean="0">
+                <a:solidFill>
+                  <a:schemeClr val="accent2"/>
+                </a:solidFill>
+              </a:rPr>
+              <a:t>TeamCity</a:t>
+            </a:r>
+            <a:r>
+              <a:rPr lang="en-US" sz="2800" dirty="0" smtClean="0">
+                <a:solidFill>
+                  <a:schemeClr val="accent2"/>
+                </a:solidFill>
+              </a:rPr>
+              <a:t> + Jenkins +Sonar </a:t>
+            </a:r>
+            <a:r>
+              <a:rPr lang="en-US" sz="2800" dirty="0" smtClean="0">
+                <a:solidFill>
+                  <a:schemeClr val="accent2"/>
+                </a:solidFill>
+              </a:rPr>
+              <a:t>:</a:t>
+            </a:r>
+            <a:endParaRPr lang="en-US" sz="2800" dirty="0">
+              <a:solidFill>
+                <a:schemeClr val="accent2"/>
+              </a:solidFill>
+            </a:endParaRPr>
+          </a:p>
+        </p:txBody>
+      </p:sp>
+      <p:pic>
+        <p:nvPicPr>
+          <p:cNvPr id="1026" name="Picture 2"/>
+          <p:cNvPicPr>
+            <a:picLocks noChangeAspect="1" noChangeArrowheads="1"/>
+          </p:cNvPicPr>
+          <p:nvPr/>
+        </p:nvPicPr>
+        <p:blipFill>
+          <a:blip r:embed="rId4">
+            <a:extLst>
+              <a:ext uri="{28A0092B-C50C-407E-A947-70E740481C1C}">
+                <a14:useLocalDpi xmlns:a14="http://schemas.microsoft.com/office/drawing/2010/main" val="0"/>
+              </a:ext>
+            </a:extLst>
+          </a:blip>
+          <a:srcRect/>
+          <a:stretch>
+            <a:fillRect/>
+          </a:stretch>
+        </p:blipFill>
+        <p:spPr bwMode="auto">
+          <a:xfrm>
+            <a:off x="19050" y="1056620"/>
+            <a:ext cx="9124949" cy="1457980"/>
+          </a:xfrm>
+          <a:prstGeom prst="rect">
+            <a:avLst/>
+          </a:prstGeom>
+          <a:noFill/>
+          <a:ln>
+            <a:noFill/>
+          </a:ln>
+          <a:extLst>
+            <a:ext uri="{909E8E84-426E-40DD-AFC4-6F175D3DCCD1}">
+              <a14:hiddenFill xmlns:a14="http://schemas.microsoft.com/office/drawing/2010/main">
+                <a:solidFill>
+                  <a:schemeClr val="accent1"/>
+                </a:solidFill>
+              </a14:hiddenFill>
+            </a:ext>
+            <a:ext uri="{91240B29-F687-4F45-9708-019B960494DF}">
+              <a14:hiddenLine xmlns:a14="http://schemas.microsoft.com/office/drawing/2010/main" w="9525">
+                <a:solidFill>
+                  <a:schemeClr val="tx1"/>
+                </a:solidFill>
+                <a:miter lim="800000"/>
+                <a:headEnd/>
+                <a:tailEnd/>
+              </a14:hiddenLine>
+            </a:ext>
+          </a:extLst>
+        </p:spPr>
+      </p:pic>
+    </p:spTree>
+    <p:extLst>
+      <p:ext uri="{BB962C8B-B14F-4D97-AF65-F5344CB8AC3E}">
+        <p14:creationId xmlns:p14="http://schemas.microsoft.com/office/powerpoint/2010/main" val="2377703105"/>
+      </p:ext>
+    </p:extLst>
+  </p:cSld>
+  <p:clrMapOvr>
+    <a:masterClrMapping/>
+  </p:clrMapOvr>
+</p:sld>
+</file>
+
+<file path=ppt/slides/slide7.xml><?xml version="1.0" encoding="utf-8"?>
+<p:sld xmlns:a="http://schemas.openxmlformats.org/drawingml/2006/main" xmlns:r="http://schemas.openxmlformats.org/officeDocument/2006/relationships" xmlns:p="http://schemas.openxmlformats.org/presentationml/2006/main">
+  <p:cSld>
+    <p:spTree>
+      <p:nvGrpSpPr>
+        <p:cNvPr id="1" name=""/>
+        <p:cNvGrpSpPr/>
+        <p:nvPr/>
+      </p:nvGrpSpPr>
+      <p:grpSpPr>
+        <a:xfrm>
+          <a:off x="0" y="0"/>
+          <a:ext cx="0" cy="0"/>
+          <a:chOff x="0" y="0"/>
+          <a:chExt cx="0" cy="0"/>
+        </a:xfrm>
+      </p:grpSpPr>
       <p:sp>
         <p:nvSpPr>
           <p:cNvPr id="4" name="TextBox 3"/>
@@ -21025,182 +21376,6 @@
     <p:extLst>
       <p:ext uri="{BB962C8B-B14F-4D97-AF65-F5344CB8AC3E}">
         <p14:creationId xmlns:p14="http://schemas.microsoft.com/office/powerpoint/2010/main" val="1932285552"/>
-      </p:ext>
-    </p:extLst>
-  </p:cSld>
-  <p:clrMapOvr>
-    <a:masterClrMapping/>
-  </p:clrMapOvr>
-</p:sld>
-</file>
-
-<file path=ppt/slides/slide7.xml><?xml version="1.0" encoding="utf-8"?>
-<p:sld xmlns:a="http://schemas.openxmlformats.org/drawingml/2006/main" xmlns:r="http://schemas.openxmlformats.org/officeDocument/2006/relationships" xmlns:p="http://schemas.openxmlformats.org/presentationml/2006/main">
-  <p:cSld>
-    <p:spTree>
-      <p:nvGrpSpPr>
-        <p:cNvPr id="1" name=""/>
-        <p:cNvGrpSpPr/>
-        <p:nvPr/>
-      </p:nvGrpSpPr>
-      <p:grpSpPr>
-        <a:xfrm>
-          <a:off x="0" y="0"/>
-          <a:ext cx="0" cy="0"/>
-          <a:chOff x="0" y="0"/>
-          <a:chExt cx="0" cy="0"/>
-        </a:xfrm>
-      </p:grpSpPr>
-      <p:pic>
-        <p:nvPicPr>
-          <p:cNvPr id="4098" name="Picture 2"/>
-          <p:cNvPicPr>
-            <a:picLocks noChangeAspect="1" noChangeArrowheads="1"/>
-          </p:cNvPicPr>
-          <p:nvPr/>
-        </p:nvPicPr>
-        <p:blipFill>
-          <a:blip r:embed="rId2">
-            <a:extLst>
-              <a:ext uri="{28A0092B-C50C-407E-A947-70E740481C1C}">
-                <a14:useLocalDpi xmlns:a14="http://schemas.microsoft.com/office/drawing/2010/main" val="0"/>
-              </a:ext>
-            </a:extLst>
-          </a:blip>
-          <a:srcRect/>
-          <a:stretch>
-            <a:fillRect/>
-          </a:stretch>
-        </p:blipFill>
-        <p:spPr bwMode="auto">
-          <a:xfrm>
-            <a:off x="0" y="1271588"/>
-            <a:ext cx="9144000" cy="2919412"/>
-          </a:xfrm>
-          <a:prstGeom prst="rect">
-            <a:avLst/>
-          </a:prstGeom>
-          <a:noFill/>
-          <a:ln>
-            <a:noFill/>
-          </a:ln>
-          <a:extLst>
-            <a:ext uri="{909E8E84-426E-40DD-AFC4-6F175D3DCCD1}">
-              <a14:hiddenFill xmlns:a14="http://schemas.microsoft.com/office/drawing/2010/main">
-                <a:solidFill>
-                  <a:schemeClr val="accent1"/>
-                </a:solidFill>
-              </a14:hiddenFill>
-            </a:ext>
-            <a:ext uri="{91240B29-F687-4F45-9708-019B960494DF}">
-              <a14:hiddenLine xmlns:a14="http://schemas.microsoft.com/office/drawing/2010/main" w="9525">
-                <a:solidFill>
-                  <a:schemeClr val="tx1"/>
-                </a:solidFill>
-                <a:miter lim="800000"/>
-                <a:headEnd/>
-                <a:tailEnd/>
-              </a14:hiddenLine>
-            </a:ext>
-          </a:extLst>
-        </p:spPr>
-      </p:pic>
-      <p:pic>
-        <p:nvPicPr>
-          <p:cNvPr id="4099" name="Picture 3"/>
-          <p:cNvPicPr>
-            <a:picLocks noChangeAspect="1" noChangeArrowheads="1"/>
-          </p:cNvPicPr>
-          <p:nvPr/>
-        </p:nvPicPr>
-        <p:blipFill>
-          <a:blip r:embed="rId3">
-            <a:extLst>
-              <a:ext uri="{28A0092B-C50C-407E-A947-70E740481C1C}">
-                <a14:useLocalDpi xmlns:a14="http://schemas.microsoft.com/office/drawing/2010/main" val="0"/>
-              </a:ext>
-            </a:extLst>
-          </a:blip>
-          <a:srcRect/>
-          <a:stretch>
-            <a:fillRect/>
-          </a:stretch>
-        </p:blipFill>
-        <p:spPr bwMode="auto">
-          <a:xfrm>
-            <a:off x="0" y="4181521"/>
-            <a:ext cx="9143999" cy="2676479"/>
-          </a:xfrm>
-          <a:prstGeom prst="rect">
-            <a:avLst/>
-          </a:prstGeom>
-          <a:noFill/>
-          <a:ln>
-            <a:noFill/>
-          </a:ln>
-          <a:extLst>
-            <a:ext uri="{909E8E84-426E-40DD-AFC4-6F175D3DCCD1}">
-              <a14:hiddenFill xmlns:a14="http://schemas.microsoft.com/office/drawing/2010/main">
-                <a:solidFill>
-                  <a:schemeClr val="accent1"/>
-                </a:solidFill>
-              </a14:hiddenFill>
-            </a:ext>
-            <a:ext uri="{91240B29-F687-4F45-9708-019B960494DF}">
-              <a14:hiddenLine xmlns:a14="http://schemas.microsoft.com/office/drawing/2010/main" w="9525">
-                <a:solidFill>
-                  <a:schemeClr val="tx1"/>
-                </a:solidFill>
-                <a:miter lim="800000"/>
-                <a:headEnd/>
-                <a:tailEnd/>
-              </a14:hiddenLine>
-            </a:ext>
-          </a:extLst>
-        </p:spPr>
-      </p:pic>
-      <p:sp>
-        <p:nvSpPr>
-          <p:cNvPr id="4" name="TextBox 3"/>
-          <p:cNvSpPr txBox="1"/>
-          <p:nvPr/>
-        </p:nvSpPr>
-        <p:spPr>
-          <a:xfrm>
-            <a:off x="0" y="533400"/>
-            <a:ext cx="3352800" cy="523220"/>
-          </a:xfrm>
-          <a:prstGeom prst="rect">
-            <a:avLst/>
-          </a:prstGeom>
-          <a:noFill/>
-        </p:spPr>
-        <p:txBody>
-          <a:bodyPr wrap="square" rtlCol="0">
-            <a:spAutoFit/>
-          </a:bodyPr>
-          <a:lstStyle/>
-          <a:p>
-            <a:r>
-              <a:rPr lang="en-US" sz="2800" dirty="0" smtClean="0">
-                <a:solidFill>
-                  <a:schemeClr val="accent2"/>
-                </a:solidFill>
-              </a:rPr>
-              <a:t>Jenkins and Sonar :</a:t>
-            </a:r>
-            <a:endParaRPr lang="en-US" sz="2800" dirty="0">
-              <a:solidFill>
-                <a:schemeClr val="accent2"/>
-              </a:solidFill>
-            </a:endParaRPr>
-          </a:p>
-        </p:txBody>
-      </p:sp>
-    </p:spTree>
-    <p:extLst>
-      <p:ext uri="{BB962C8B-B14F-4D97-AF65-F5344CB8AC3E}">
-        <p14:creationId xmlns:p14="http://schemas.microsoft.com/office/powerpoint/2010/main" val="2377703105"/>
       </p:ext>
     </p:extLst>
   </p:cSld>

--- a/files/project.introduction.pptx
+++ b/files/project.introduction.pptx
@@ -2186,8 +2186,8 @@
     <dgm:cxn modelId="{82279611-2FFF-4592-A7B4-D2FD6B0FD796}" type="presOf" srcId="{F629D985-617F-40F2-AD1B-1E62B9B6E694}" destId="{91703411-AC24-4A1E-8E3F-4E2E495524A2}" srcOrd="0" destOrd="0" presId="urn:microsoft.com/office/officeart/2005/8/layout/lProcess3"/>
     <dgm:cxn modelId="{32016FFA-DE9F-4BFF-B109-445B30FF1927}" srcId="{877FD191-3407-4654-B34F-9AEFFC04ADBA}" destId="{F629D985-617F-40F2-AD1B-1E62B9B6E694}" srcOrd="2" destOrd="0" parTransId="{0AD1F344-CB18-4787-AF30-9C6837AA70C7}" sibTransId="{BCB0725E-0659-41BC-A69A-FBE0AE5F13FB}"/>
     <dgm:cxn modelId="{A053C1F6-B946-445B-A3A0-59637F37B039}" type="presOf" srcId="{FE7EBAB2-041E-48BA-8CB8-18B9228F9C4B}" destId="{98F62C65-217D-450D-878B-A15A4318DF79}" srcOrd="0" destOrd="0" presId="urn:microsoft.com/office/officeart/2005/8/layout/lProcess3"/>
+    <dgm:cxn modelId="{2A35AA67-D3EA-47AB-A99C-F56A91C69FBE}" type="presOf" srcId="{D309073F-8659-41B8-8E3D-066040F6C45C}" destId="{75DD8267-0672-4B54-ACC0-6365CD9224B1}" srcOrd="0" destOrd="0" presId="urn:microsoft.com/office/officeart/2005/8/layout/lProcess3"/>
     <dgm:cxn modelId="{E268EB61-EC64-4001-AC5F-FEBD0BA4DBA1}" srcId="{F0EA5436-0A2A-4C3C-8A9D-4D2A9383B43A}" destId="{347D18F9-6854-4E4D-B019-CCB8FAD55D11}" srcOrd="2" destOrd="0" parTransId="{2F2E5291-5E8C-4C96-B624-84360B5F4E19}" sibTransId="{1FC55EA8-D67C-4696-8983-D2D0EE40E418}"/>
-    <dgm:cxn modelId="{2A35AA67-D3EA-47AB-A99C-F56A91C69FBE}" type="presOf" srcId="{D309073F-8659-41B8-8E3D-066040F6C45C}" destId="{75DD8267-0672-4B54-ACC0-6365CD9224B1}" srcOrd="0" destOrd="0" presId="urn:microsoft.com/office/officeart/2005/8/layout/lProcess3"/>
     <dgm:cxn modelId="{17417BBB-A8B8-43A1-8402-5528FF1E7439}" srcId="{345138DD-B2D4-49C2-892A-3193C767E6ED}" destId="{11E4466A-D9FA-4092-A6B1-1921EDE14DAD}" srcOrd="1" destOrd="0" parTransId="{BCD615EF-9178-45ED-B2E4-3B9EB644FC4B}" sibTransId="{9B09BF09-143A-4F2E-8DDC-226291A14273}"/>
     <dgm:cxn modelId="{0160A207-0840-462A-896C-DCC36C464DAF}" srcId="{345138DD-B2D4-49C2-892A-3193C767E6ED}" destId="{9791B34F-47A9-4E19-86C4-F719AD5E2148}" srcOrd="0" destOrd="0" parTransId="{FA1CFE79-BF88-4F8D-BB2D-733958FFD4E1}" sibTransId="{2D0FC4A5-A7EB-448D-96BE-278C1B52F83C}"/>
     <dgm:cxn modelId="{C1B4D0C5-A9A2-443F-B501-30221DECE174}" srcId="{345138DD-B2D4-49C2-892A-3193C767E6ED}" destId="{D1945358-7B7D-4317-99D4-E67C3128E0E5}" srcOrd="2" destOrd="0" parTransId="{1E3D9F26-A0C5-4151-99FF-003DD3376143}" sibTransId="{0A36E8B2-2347-43BA-91E5-04C263587E54}"/>
@@ -21150,7 +21150,7 @@
         </p:nvSpPr>
         <p:spPr>
           <a:xfrm>
-            <a:off x="0" y="533400"/>
+            <a:off x="0" y="457200"/>
             <a:ext cx="5943600" cy="523220"/>
           </a:xfrm>
           <a:prstGeom prst="rect">
@@ -21178,15 +21178,7 @@
                   <a:schemeClr val="accent2"/>
                 </a:solidFill>
               </a:rPr>
-              <a:t> + Jenkins +Sonar </a:t>
-            </a:r>
-            <a:r>
-              <a:rPr lang="en-US" sz="2800" dirty="0" smtClean="0">
-                <a:solidFill>
-                  <a:schemeClr val="accent2"/>
-                </a:solidFill>
-              </a:rPr>
-              <a:t>:</a:t>
+              <a:t> + Jenkins +Sonar :</a:t>
             </a:r>
             <a:endParaRPr lang="en-US" sz="2800" dirty="0">
               <a:solidFill>
@@ -21221,6 +21213,60 @@
           <a:xfrm>
             <a:off x="19050" y="1056620"/>
             <a:ext cx="9124949" cy="1457980"/>
+          </a:xfrm>
+          <a:prstGeom prst="rect">
+            <a:avLst/>
+          </a:prstGeom>
+          <a:noFill/>
+          <a:ln>
+            <a:noFill/>
+          </a:ln>
+          <a:extLst>
+            <a:ext uri="{909E8E84-426E-40DD-AFC4-6F175D3DCCD1}">
+              <a14:hiddenFill xmlns:a14="http://schemas.microsoft.com/office/drawing/2010/main">
+                <a:solidFill>
+                  <a:schemeClr val="accent1"/>
+                </a:solidFill>
+              </a14:hiddenFill>
+            </a:ext>
+            <a:ext uri="{91240B29-F687-4F45-9708-019B960494DF}">
+              <a14:hiddenLine xmlns:a14="http://schemas.microsoft.com/office/drawing/2010/main" w="9525">
+                <a:solidFill>
+                  <a:schemeClr val="tx1"/>
+                </a:solidFill>
+                <a:miter lim="800000"/>
+                <a:headEnd/>
+                <a:tailEnd/>
+              </a14:hiddenLine>
+            </a:ext>
+          </a:extLst>
+        </p:spPr>
+      </p:pic>
+      <p:pic>
+        <p:nvPicPr>
+          <p:cNvPr id="2" name="Picture 2"/>
+          <p:cNvPicPr>
+            <a:picLocks noChangeAspect="1" noChangeArrowheads="1"/>
+          </p:cNvPicPr>
+          <p:nvPr/>
+        </p:nvPicPr>
+        <p:blipFill>
+          <a:blip r:embed="rId5">
+            <a:extLst>
+              <a:ext uri="{28A0092B-C50C-407E-A947-70E740481C1C}">
+                <a14:useLocalDpi xmlns:a14="http://schemas.microsoft.com/office/drawing/2010/main" val="0"/>
+              </a:ext>
+            </a:extLst>
+          </a:blip>
+          <a:srcRect/>
+          <a:stretch>
+            <a:fillRect/>
+          </a:stretch>
+        </p:blipFill>
+        <p:spPr bwMode="auto">
+          <a:xfrm>
+            <a:off x="-1" y="1981200"/>
+            <a:ext cx="9144000" cy="552450"/>
           </a:xfrm>
           <a:prstGeom prst="rect">
             <a:avLst/>

--- a/files/project.introduction.pptx
+++ b/files/project.introduction.pptx
@@ -5,7 +5,7 @@
     <p:sldMasterId id="2147483864" r:id="rId1"/>
   </p:sldMasterIdLst>
   <p:notesMasterIdLst>
-    <p:notesMasterId r:id="rId9"/>
+    <p:notesMasterId r:id="rId12"/>
   </p:notesMasterIdLst>
   <p:sldIdLst>
     <p:sldId id="256" r:id="rId2"/>
@@ -13,8 +13,11 @@
     <p:sldId id="262" r:id="rId4"/>
     <p:sldId id="258" r:id="rId5"/>
     <p:sldId id="260" r:id="rId6"/>
-    <p:sldId id="264" r:id="rId7"/>
-    <p:sldId id="263" r:id="rId8"/>
+    <p:sldId id="268" r:id="rId7"/>
+    <p:sldId id="266" r:id="rId8"/>
+    <p:sldId id="267" r:id="rId9"/>
+    <p:sldId id="263" r:id="rId10"/>
+    <p:sldId id="265" r:id="rId11"/>
   </p:sldIdLst>
   <p:sldSz cx="9144000" cy="6858000" type="screen4x3"/>
   <p:notesSz cx="6858000" cy="9144000"/>
@@ -5401,7 +5404,7 @@
           <a:p>
             <a:fld id="{307C2165-2BA8-4B4E-B782-42DDFA36D6B7}" type="datetimeFigureOut">
               <a:rPr lang="en-US" smtClean="0"/>
-              <a:t>3/30/2016</a:t>
+              <a:t>3/31/2016</a:t>
             </a:fld>
             <a:endParaRPr lang="en-US"/>
           </a:p>
@@ -6416,7 +6419,7 @@
             <a:fld id="{1D8BD707-D9CF-40AE-B4C6-C98DA3205C09}" type="datetimeFigureOut">
               <a:rPr lang="en-US" smtClean="0"/>
               <a:pPr/>
-              <a:t>3/30/2016</a:t>
+              <a:t>3/31/2016</a:t>
             </a:fld>
             <a:endParaRPr lang="en-US"/>
           </a:p>
@@ -6601,7 +6604,7 @@
             <a:fld id="{1D8BD707-D9CF-40AE-B4C6-C98DA3205C09}" type="datetimeFigureOut">
               <a:rPr lang="en-US" smtClean="0"/>
               <a:pPr/>
-              <a:t>3/30/2016</a:t>
+              <a:t>3/31/2016</a:t>
             </a:fld>
             <a:endParaRPr lang="en-US"/>
           </a:p>
@@ -6778,7 +6781,7 @@
             <a:fld id="{1D8BD707-D9CF-40AE-B4C6-C98DA3205C09}" type="datetimeFigureOut">
               <a:rPr lang="en-US" smtClean="0"/>
               <a:pPr/>
-              <a:t>3/30/2016</a:t>
+              <a:t>3/31/2016</a:t>
             </a:fld>
             <a:endParaRPr lang="en-US"/>
           </a:p>
@@ -6945,7 +6948,7 @@
             <a:fld id="{1D8BD707-D9CF-40AE-B4C6-C98DA3205C09}" type="datetimeFigureOut">
               <a:rPr lang="en-US" smtClean="0"/>
               <a:pPr/>
-              <a:t>3/30/2016</a:t>
+              <a:t>3/31/2016</a:t>
             </a:fld>
             <a:endParaRPr lang="en-US"/>
           </a:p>
@@ -7168,7 +7171,7 @@
             <a:fld id="{1D8BD707-D9CF-40AE-B4C6-C98DA3205C09}" type="datetimeFigureOut">
               <a:rPr lang="en-US" smtClean="0"/>
               <a:pPr/>
-              <a:t>3/30/2016</a:t>
+              <a:t>3/31/2016</a:t>
             </a:fld>
             <a:endParaRPr lang="en-US"/>
           </a:p>
@@ -7429,7 +7432,7 @@
             <a:fld id="{1D8BD707-D9CF-40AE-B4C6-C98DA3205C09}" type="datetimeFigureOut">
               <a:rPr lang="en-US" smtClean="0"/>
               <a:pPr/>
-              <a:t>3/30/2016</a:t>
+              <a:t>3/31/2016</a:t>
             </a:fld>
             <a:endParaRPr lang="en-US"/>
           </a:p>
@@ -7835,7 +7838,7 @@
             <a:fld id="{1D8BD707-D9CF-40AE-B4C6-C98DA3205C09}" type="datetimeFigureOut">
               <a:rPr lang="en-US" smtClean="0"/>
               <a:pPr/>
-              <a:t>3/30/2016</a:t>
+              <a:t>3/31/2016</a:t>
             </a:fld>
             <a:endParaRPr lang="en-US"/>
           </a:p>
@@ -7968,7 +7971,7 @@
             <a:fld id="{1D8BD707-D9CF-40AE-B4C6-C98DA3205C09}" type="datetimeFigureOut">
               <a:rPr lang="en-US" smtClean="0"/>
               <a:pPr/>
-              <a:t>3/30/2016</a:t>
+              <a:t>3/31/2016</a:t>
             </a:fld>
             <a:endParaRPr lang="en-US"/>
           </a:p>
@@ -8070,7 +8073,7 @@
             <a:fld id="{1D8BD707-D9CF-40AE-B4C6-C98DA3205C09}" type="datetimeFigureOut">
               <a:rPr lang="en-US" smtClean="0"/>
               <a:pPr/>
-              <a:t>3/30/2016</a:t>
+              <a:t>3/31/2016</a:t>
             </a:fld>
             <a:endParaRPr lang="en-US"/>
           </a:p>
@@ -8317,7 +8320,7 @@
             <a:fld id="{1D8BD707-D9CF-40AE-B4C6-C98DA3205C09}" type="datetimeFigureOut">
               <a:rPr lang="en-US" smtClean="0"/>
               <a:pPr/>
-              <a:t>3/30/2016</a:t>
+              <a:t>3/31/2016</a:t>
             </a:fld>
             <a:endParaRPr lang="en-US"/>
           </a:p>
@@ -8563,7 +8566,7 @@
             <a:fld id="{1D8BD707-D9CF-40AE-B4C6-C98DA3205C09}" type="datetimeFigureOut">
               <a:rPr lang="en-US" smtClean="0"/>
               <a:pPr/>
-              <a:t>3/30/2016</a:t>
+              <a:t>3/31/2016</a:t>
             </a:fld>
             <a:endParaRPr lang="en-US"/>
           </a:p>
@@ -9389,7 +9392,7 @@
             <a:fld id="{1D8BD707-D9CF-40AE-B4C6-C98DA3205C09}" type="datetimeFigureOut">
               <a:rPr lang="en-US" smtClean="0"/>
               <a:pPr/>
-              <a:t>3/30/2016</a:t>
+              <a:t>3/31/2016</a:t>
             </a:fld>
             <a:endParaRPr lang="en-US"/>
           </a:p>
@@ -9885,6 +9888,237 @@
       </p:par>
     </p:tnLst>
   </p:timing>
+</p:sld>
+</file>
+
+<file path=ppt/slides/slide10.xml><?xml version="1.0" encoding="utf-8"?>
+<p:sld xmlns:a="http://schemas.openxmlformats.org/drawingml/2006/main" xmlns:r="http://schemas.openxmlformats.org/officeDocument/2006/relationships" xmlns:p="http://schemas.openxmlformats.org/presentationml/2006/main">
+  <p:cSld>
+    <p:spTree>
+      <p:nvGrpSpPr>
+        <p:cNvPr id="1" name=""/>
+        <p:cNvGrpSpPr/>
+        <p:nvPr/>
+      </p:nvGrpSpPr>
+      <p:grpSpPr>
+        <a:xfrm>
+          <a:off x="0" y="0"/>
+          <a:ext cx="0" cy="0"/>
+          <a:chOff x="0" y="0"/>
+          <a:chExt cx="0" cy="0"/>
+        </a:xfrm>
+      </p:grpSpPr>
+      <p:sp>
+        <p:nvSpPr>
+          <p:cNvPr id="2" name="Title 1"/>
+          <p:cNvSpPr>
+            <a:spLocks noGrp="1"/>
+          </p:cNvSpPr>
+          <p:nvPr>
+            <p:ph type="title"/>
+          </p:nvPr>
+        </p:nvSpPr>
+        <p:spPr/>
+        <p:txBody>
+          <a:bodyPr/>
+          <a:lstStyle/>
+          <a:p>
+            <a:r>
+              <a:rPr lang="en-US" dirty="0" smtClean="0">
+                <a:solidFill>
+                  <a:schemeClr val="accent2"/>
+                </a:solidFill>
+              </a:rPr>
+              <a:t>Strengths and Weaknesses</a:t>
+            </a:r>
+            <a:endParaRPr lang="en-US" dirty="0">
+              <a:solidFill>
+                <a:schemeClr val="accent2"/>
+              </a:solidFill>
+            </a:endParaRPr>
+          </a:p>
+        </p:txBody>
+      </p:sp>
+      <p:sp>
+        <p:nvSpPr>
+          <p:cNvPr id="3" name="Content Placeholder 2"/>
+          <p:cNvSpPr>
+            <a:spLocks noGrp="1"/>
+          </p:cNvSpPr>
+          <p:nvPr>
+            <p:ph idx="1"/>
+          </p:nvPr>
+        </p:nvSpPr>
+        <p:spPr/>
+        <p:txBody>
+          <a:bodyPr>
+            <a:normAutofit/>
+          </a:bodyPr>
+          <a:lstStyle/>
+          <a:p>
+            <a:r>
+              <a:rPr lang="en-US" sz="2000" dirty="0" smtClean="0">
+                <a:solidFill>
+                  <a:schemeClr val="accent2"/>
+                </a:solidFill>
+              </a:rPr>
+              <a:t>Quick Learner</a:t>
+            </a:r>
+          </a:p>
+          <a:p>
+            <a:r>
+              <a:rPr lang="en-US" sz="2000" dirty="0" smtClean="0">
+                <a:solidFill>
+                  <a:schemeClr val="accent2"/>
+                </a:solidFill>
+              </a:rPr>
+              <a:t>Problem Solver</a:t>
+            </a:r>
+            <a:endParaRPr lang="en-US" sz="2000" dirty="0">
+              <a:solidFill>
+                <a:schemeClr val="accent2"/>
+              </a:solidFill>
+            </a:endParaRPr>
+          </a:p>
+          <a:p>
+            <a:r>
+              <a:rPr lang="en-US" sz="2000" dirty="0" smtClean="0">
+                <a:solidFill>
+                  <a:schemeClr val="accent2"/>
+                </a:solidFill>
+              </a:rPr>
+              <a:t>Solid leadership and Organized skill</a:t>
+            </a:r>
+            <a:endParaRPr lang="en-US" sz="2000" dirty="0">
+              <a:solidFill>
+                <a:schemeClr val="accent2"/>
+              </a:solidFill>
+            </a:endParaRPr>
+          </a:p>
+          <a:p>
+            <a:endParaRPr lang="en-US" sz="2000" dirty="0" smtClean="0">
+              <a:solidFill>
+                <a:schemeClr val="accent2"/>
+              </a:solidFill>
+            </a:endParaRPr>
+          </a:p>
+          <a:p>
+            <a:endParaRPr lang="en-US" sz="2000" dirty="0">
+              <a:solidFill>
+                <a:schemeClr val="accent2"/>
+              </a:solidFill>
+            </a:endParaRPr>
+          </a:p>
+          <a:p>
+            <a:endParaRPr lang="en-US" sz="2000" dirty="0" smtClean="0">
+              <a:solidFill>
+                <a:schemeClr val="accent2"/>
+              </a:solidFill>
+            </a:endParaRPr>
+          </a:p>
+          <a:p>
+            <a:r>
+              <a:rPr lang="en-US" sz="2000" dirty="0" smtClean="0">
+                <a:solidFill>
+                  <a:schemeClr val="accent2"/>
+                </a:solidFill>
+              </a:rPr>
+              <a:t>Work </a:t>
+            </a:r>
+            <a:r>
+              <a:rPr lang="en-US" sz="2000" dirty="0">
+                <a:solidFill>
+                  <a:schemeClr val="accent2"/>
+                </a:solidFill>
+              </a:rPr>
+              <a:t>too hard </a:t>
+            </a:r>
+            <a:r>
+              <a:rPr lang="en-US" sz="2000" dirty="0" smtClean="0">
+                <a:solidFill>
+                  <a:schemeClr val="accent2"/>
+                </a:solidFill>
+              </a:rPr>
+              <a:t>sometimes</a:t>
+            </a:r>
+          </a:p>
+          <a:p>
+            <a:r>
+              <a:rPr lang="en-US" sz="2000" dirty="0" smtClean="0">
+                <a:solidFill>
+                  <a:schemeClr val="accent2"/>
+                </a:solidFill>
+              </a:rPr>
+              <a:t>Get </a:t>
+            </a:r>
+            <a:r>
+              <a:rPr lang="en-US" sz="2000" dirty="0">
+                <a:solidFill>
+                  <a:schemeClr val="accent2"/>
+                </a:solidFill>
+              </a:rPr>
+              <a:t>nervous when speaking in front of large </a:t>
+            </a:r>
+            <a:r>
+              <a:rPr lang="en-US" sz="2000" dirty="0" smtClean="0">
+                <a:solidFill>
+                  <a:schemeClr val="accent2"/>
+                </a:solidFill>
+              </a:rPr>
+              <a:t>groups</a:t>
+            </a:r>
+          </a:p>
+          <a:p>
+            <a:r>
+              <a:rPr lang="en-US" sz="2000" dirty="0" smtClean="0">
+                <a:solidFill>
+                  <a:schemeClr val="accent2"/>
+                </a:solidFill>
+              </a:rPr>
+              <a:t>Speak </a:t>
+            </a:r>
+            <a:r>
+              <a:rPr lang="en-US" sz="2000" dirty="0">
+                <a:solidFill>
+                  <a:schemeClr val="accent2"/>
+                </a:solidFill>
+              </a:rPr>
+              <a:t>less </a:t>
+            </a:r>
+            <a:r>
+              <a:rPr lang="en-US" sz="2000" dirty="0" smtClean="0">
+                <a:solidFill>
+                  <a:schemeClr val="accent2"/>
+                </a:solidFill>
+              </a:rPr>
+              <a:t>and Work </a:t>
+            </a:r>
+            <a:r>
+              <a:rPr lang="en-US" sz="2000" dirty="0">
+                <a:solidFill>
+                  <a:schemeClr val="accent2"/>
+                </a:solidFill>
+              </a:rPr>
+              <a:t>more</a:t>
+            </a:r>
+            <a:endParaRPr lang="en-US" sz="2000" dirty="0" smtClean="0">
+              <a:solidFill>
+                <a:schemeClr val="accent2"/>
+              </a:solidFill>
+            </a:endParaRPr>
+          </a:p>
+        </p:txBody>
+      </p:sp>
+    </p:spTree>
+    <p:extLst>
+      <p:ext uri="{BB962C8B-B14F-4D97-AF65-F5344CB8AC3E}">
+        <p14:creationId xmlns:p14="http://schemas.microsoft.com/office/powerpoint/2010/main" val="1239821909"/>
+      </p:ext>
+    </p:extLst>
+  </p:cSld>
+  <p:clrMapOvr>
+    <a:masterClrMapping/>
+  </p:clrMapOvr>
 </p:sld>
 </file>
 
@@ -20824,7 +21058,7 @@
         </p:nvSpPr>
         <p:spPr>
           <a:xfrm>
-            <a:off x="0" y="990600"/>
+            <a:off x="0" y="533400"/>
             <a:ext cx="8229600" cy="1066800"/>
           </a:xfrm>
         </p:spPr>
@@ -20951,7 +21185,12 @@
             <p:ph type="title"/>
           </p:nvPr>
         </p:nvSpPr>
-        <p:spPr/>
+        <p:spPr>
+          <a:xfrm>
+            <a:off x="304800" y="609600"/>
+            <a:ext cx="8229600" cy="1066800"/>
+          </a:xfrm>
+        </p:spPr>
         <p:txBody>
           <a:bodyPr/>
           <a:lstStyle/>
@@ -21034,9 +21273,94 @@
           <a:chExt cx="0" cy="0"/>
         </a:xfrm>
       </p:grpSpPr>
+      <p:sp>
+        <p:nvSpPr>
+          <p:cNvPr id="2" name="Title 1"/>
+          <p:cNvSpPr>
+            <a:spLocks noGrp="1"/>
+          </p:cNvSpPr>
+          <p:nvPr>
+            <p:ph type="title"/>
+          </p:nvPr>
+        </p:nvSpPr>
+        <p:spPr>
+          <a:xfrm>
+            <a:off x="9526" y="228600"/>
+            <a:ext cx="8229600" cy="1066800"/>
+          </a:xfrm>
+        </p:spPr>
+        <p:txBody>
+          <a:bodyPr/>
+          <a:lstStyle/>
+          <a:p>
+            <a:r>
+              <a:rPr lang="en-US" dirty="0" err="1" smtClean="0">
+                <a:solidFill>
+                  <a:schemeClr val="accent2"/>
+                </a:solidFill>
+              </a:rPr>
+              <a:t>TeamCity</a:t>
+            </a:r>
+            <a:endParaRPr lang="en-US" dirty="0">
+              <a:solidFill>
+                <a:schemeClr val="accent2"/>
+              </a:solidFill>
+            </a:endParaRPr>
+          </a:p>
+        </p:txBody>
+      </p:sp>
+      <p:sp>
+        <p:nvSpPr>
+          <p:cNvPr id="3" name="Content Placeholder 2"/>
+          <p:cNvSpPr>
+            <a:spLocks noGrp="1"/>
+          </p:cNvSpPr>
+          <p:nvPr>
+            <p:ph idx="1"/>
+          </p:nvPr>
+        </p:nvSpPr>
+        <p:spPr>
+          <a:xfrm>
+            <a:off x="1" y="1219200"/>
+            <a:ext cx="8229600" cy="4325112"/>
+          </a:xfrm>
+        </p:spPr>
+        <p:txBody>
+          <a:bodyPr/>
+          <a:lstStyle/>
+          <a:p>
+            <a:r>
+              <a:rPr lang="en-US" sz="2000" dirty="0" smtClean="0">
+                <a:solidFill>
+                  <a:schemeClr val="accent2"/>
+                </a:solidFill>
+              </a:rPr>
+              <a:t>Run your changes without checking-in to SVN</a:t>
+            </a:r>
+          </a:p>
+          <a:p>
+            <a:r>
+              <a:rPr lang="en-US" sz="2000" dirty="0">
+                <a:solidFill>
+                  <a:schemeClr val="accent2"/>
+                </a:solidFill>
+              </a:rPr>
+              <a:t>Effective Code Reviews</a:t>
+            </a:r>
+            <a:endParaRPr lang="en-US" sz="2000" dirty="0" smtClean="0">
+              <a:solidFill>
+                <a:schemeClr val="accent2"/>
+              </a:solidFill>
+            </a:endParaRPr>
+          </a:p>
+          <a:p>
+            <a:endParaRPr lang="en-US" dirty="0"/>
+          </a:p>
+        </p:txBody>
+      </p:sp>
       <p:pic>
         <p:nvPicPr>
-          <p:cNvPr id="4098" name="Picture 2"/>
+          <p:cNvPr id="3074" name="Picture 2"/>
           <p:cNvPicPr>
             <a:picLocks noChangeAspect="1" noChangeArrowheads="1"/>
           </p:cNvPicPr>
@@ -21057,7 +21381,225 @@
         </p:blipFill>
         <p:spPr bwMode="auto">
           <a:xfrm>
-            <a:off x="0" y="2514600"/>
+            <a:off x="-1" y="2114550"/>
+            <a:ext cx="9144001" cy="1924050"/>
+          </a:xfrm>
+          <a:prstGeom prst="rect">
+            <a:avLst/>
+          </a:prstGeom>
+          <a:noFill/>
+          <a:ln>
+            <a:noFill/>
+          </a:ln>
+          <a:extLst>
+            <a:ext uri="{909E8E84-426E-40DD-AFC4-6F175D3DCCD1}">
+              <a14:hiddenFill xmlns:a14="http://schemas.microsoft.com/office/drawing/2010/main">
+                <a:solidFill>
+                  <a:schemeClr val="accent1"/>
+                </a:solidFill>
+              </a14:hiddenFill>
+            </a:ext>
+            <a:ext uri="{91240B29-F687-4F45-9708-019B960494DF}">
+              <a14:hiddenLine xmlns:a14="http://schemas.microsoft.com/office/drawing/2010/main" w="9525">
+                <a:solidFill>
+                  <a:schemeClr val="tx1"/>
+                </a:solidFill>
+                <a:miter lim="800000"/>
+                <a:headEnd/>
+                <a:tailEnd/>
+              </a14:hiddenLine>
+            </a:ext>
+          </a:extLst>
+        </p:spPr>
+      </p:pic>
+      <p:pic>
+        <p:nvPicPr>
+          <p:cNvPr id="3075" name="Picture 3"/>
+          <p:cNvPicPr>
+            <a:picLocks noChangeAspect="1" noChangeArrowheads="1"/>
+          </p:cNvPicPr>
+          <p:nvPr/>
+        </p:nvPicPr>
+        <p:blipFill>
+          <a:blip r:embed="rId3">
+            <a:extLst>
+              <a:ext uri="{28A0092B-C50C-407E-A947-70E740481C1C}">
+                <a14:useLocalDpi xmlns:a14="http://schemas.microsoft.com/office/drawing/2010/main" val="0"/>
+              </a:ext>
+            </a:extLst>
+          </a:blip>
+          <a:srcRect/>
+          <a:stretch>
+            <a:fillRect/>
+          </a:stretch>
+        </p:blipFill>
+        <p:spPr bwMode="auto">
+          <a:xfrm>
+            <a:off x="1" y="3962400"/>
+            <a:ext cx="9144000" cy="2895600"/>
+          </a:xfrm>
+          <a:prstGeom prst="rect">
+            <a:avLst/>
+          </a:prstGeom>
+          <a:noFill/>
+          <a:ln>
+            <a:noFill/>
+          </a:ln>
+          <a:extLst>
+            <a:ext uri="{909E8E84-426E-40DD-AFC4-6F175D3DCCD1}">
+              <a14:hiddenFill xmlns:a14="http://schemas.microsoft.com/office/drawing/2010/main">
+                <a:solidFill>
+                  <a:schemeClr val="accent1"/>
+                </a:solidFill>
+              </a14:hiddenFill>
+            </a:ext>
+            <a:ext uri="{91240B29-F687-4F45-9708-019B960494DF}">
+              <a14:hiddenLine xmlns:a14="http://schemas.microsoft.com/office/drawing/2010/main" w="9525">
+                <a:solidFill>
+                  <a:schemeClr val="tx1"/>
+                </a:solidFill>
+                <a:miter lim="800000"/>
+                <a:headEnd/>
+                <a:tailEnd/>
+              </a14:hiddenLine>
+            </a:ext>
+          </a:extLst>
+        </p:spPr>
+      </p:pic>
+    </p:spTree>
+    <p:extLst>
+      <p:ext uri="{BB962C8B-B14F-4D97-AF65-F5344CB8AC3E}">
+        <p14:creationId xmlns:p14="http://schemas.microsoft.com/office/powerpoint/2010/main" val="310922955"/>
+      </p:ext>
+    </p:extLst>
+  </p:cSld>
+  <p:clrMapOvr>
+    <a:masterClrMapping/>
+  </p:clrMapOvr>
+</p:sld>
+</file>
+
+<file path=ppt/slides/slide7.xml><?xml version="1.0" encoding="utf-8"?>
+<p:sld xmlns:a="http://schemas.openxmlformats.org/drawingml/2006/main" xmlns:r="http://schemas.openxmlformats.org/officeDocument/2006/relationships" xmlns:p="http://schemas.openxmlformats.org/presentationml/2006/main">
+  <p:cSld>
+    <p:spTree>
+      <p:nvGrpSpPr>
+        <p:cNvPr id="1" name=""/>
+        <p:cNvGrpSpPr/>
+        <p:nvPr/>
+      </p:nvGrpSpPr>
+      <p:grpSpPr>
+        <a:xfrm>
+          <a:off x="0" y="0"/>
+          <a:ext cx="0" cy="0"/>
+          <a:chOff x="0" y="0"/>
+          <a:chExt cx="0" cy="0"/>
+        </a:xfrm>
+      </p:grpSpPr>
+      <p:sp>
+        <p:nvSpPr>
+          <p:cNvPr id="2" name="Title 1"/>
+          <p:cNvSpPr>
+            <a:spLocks noGrp="1"/>
+          </p:cNvSpPr>
+          <p:nvPr>
+            <p:ph type="title"/>
+          </p:nvPr>
+        </p:nvSpPr>
+        <p:spPr>
+          <a:xfrm>
+            <a:off x="0" y="304800"/>
+            <a:ext cx="8229600" cy="1066800"/>
+          </a:xfrm>
+        </p:spPr>
+        <p:txBody>
+          <a:bodyPr/>
+          <a:lstStyle/>
+          <a:p>
+            <a:r>
+              <a:rPr lang="en-US" dirty="0" smtClean="0">
+                <a:solidFill>
+                  <a:schemeClr val="accent2"/>
+                </a:solidFill>
+              </a:rPr>
+              <a:t>Jenkins</a:t>
+            </a:r>
+            <a:endParaRPr lang="en-US" dirty="0">
+              <a:solidFill>
+                <a:schemeClr val="accent2"/>
+              </a:solidFill>
+            </a:endParaRPr>
+          </a:p>
+        </p:txBody>
+      </p:sp>
+      <p:sp>
+        <p:nvSpPr>
+          <p:cNvPr id="3" name="Content Placeholder 2"/>
+          <p:cNvSpPr>
+            <a:spLocks noGrp="1"/>
+          </p:cNvSpPr>
+          <p:nvPr>
+            <p:ph idx="1"/>
+          </p:nvPr>
+        </p:nvSpPr>
+        <p:spPr>
+          <a:xfrm>
+            <a:off x="0" y="1066800"/>
+            <a:ext cx="8229600" cy="4325112"/>
+          </a:xfrm>
+        </p:spPr>
+        <p:txBody>
+          <a:bodyPr/>
+          <a:lstStyle/>
+          <a:p>
+            <a:r>
+              <a:rPr lang="en-US" sz="2000" dirty="0" smtClean="0">
+                <a:solidFill>
+                  <a:schemeClr val="accent2"/>
+                </a:solidFill>
+              </a:rPr>
+              <a:t>Auto-maven Build</a:t>
+            </a:r>
+          </a:p>
+          <a:p>
+            <a:r>
+              <a:rPr lang="en-US" sz="2000" dirty="0" smtClean="0">
+                <a:solidFill>
+                  <a:schemeClr val="accent2"/>
+                </a:solidFill>
+              </a:rPr>
+              <a:t>Auto-Deploy</a:t>
+            </a:r>
+          </a:p>
+          <a:p>
+            <a:endParaRPr lang="en-US" dirty="0"/>
+          </a:p>
+        </p:txBody>
+      </p:sp>
+      <p:pic>
+        <p:nvPicPr>
+          <p:cNvPr id="5" name="Picture 2"/>
+          <p:cNvPicPr>
+            <a:picLocks noChangeAspect="1" noChangeArrowheads="1"/>
+          </p:cNvPicPr>
+          <p:nvPr/>
+        </p:nvPicPr>
+        <p:blipFill>
+          <a:blip r:embed="rId2">
+            <a:extLst>
+              <a:ext uri="{28A0092B-C50C-407E-A947-70E740481C1C}">
+                <a14:useLocalDpi xmlns:a14="http://schemas.microsoft.com/office/drawing/2010/main" val="0"/>
+              </a:ext>
+            </a:extLst>
+          </a:blip>
+          <a:srcRect/>
+          <a:stretch>
+            <a:fillRect/>
+          </a:stretch>
+        </p:blipFill>
+        <p:spPr bwMode="auto">
+          <a:xfrm>
+            <a:off x="0" y="1981200"/>
             <a:ext cx="9144000" cy="2743200"/>
           </a:xfrm>
           <a:prstGeom prst="rect">
@@ -21090,7 +21632,7 @@
       </p:pic>
       <p:pic>
         <p:nvPicPr>
-          <p:cNvPr id="4099" name="Picture 3"/>
+          <p:cNvPr id="2050" name="Picture 2"/>
           <p:cNvPicPr>
             <a:picLocks noChangeAspect="1" noChangeArrowheads="1"/>
           </p:cNvPicPr>
@@ -21111,162 +21653,8 @@
         </p:blipFill>
         <p:spPr bwMode="auto">
           <a:xfrm>
-            <a:off x="0" y="4419600"/>
-            <a:ext cx="9143999" cy="2438400"/>
-          </a:xfrm>
-          <a:prstGeom prst="rect">
-            <a:avLst/>
-          </a:prstGeom>
-          <a:noFill/>
-          <a:ln>
-            <a:noFill/>
-          </a:ln>
-          <a:extLst>
-            <a:ext uri="{909E8E84-426E-40DD-AFC4-6F175D3DCCD1}">
-              <a14:hiddenFill xmlns:a14="http://schemas.microsoft.com/office/drawing/2010/main">
-                <a:solidFill>
-                  <a:schemeClr val="accent1"/>
-                </a:solidFill>
-              </a14:hiddenFill>
-            </a:ext>
-            <a:ext uri="{91240B29-F687-4F45-9708-019B960494DF}">
-              <a14:hiddenLine xmlns:a14="http://schemas.microsoft.com/office/drawing/2010/main" w="9525">
-                <a:solidFill>
-                  <a:schemeClr val="tx1"/>
-                </a:solidFill>
-                <a:miter lim="800000"/>
-                <a:headEnd/>
-                <a:tailEnd/>
-              </a14:hiddenLine>
-            </a:ext>
-          </a:extLst>
-        </p:spPr>
-      </p:pic>
-      <p:sp>
-        <p:nvSpPr>
-          <p:cNvPr id="4" name="TextBox 3"/>
-          <p:cNvSpPr txBox="1"/>
-          <p:nvPr/>
-        </p:nvSpPr>
-        <p:spPr>
-          <a:xfrm>
-            <a:off x="0" y="457200"/>
-            <a:ext cx="5943600" cy="523220"/>
-          </a:xfrm>
-          <a:prstGeom prst="rect">
-            <a:avLst/>
-          </a:prstGeom>
-          <a:noFill/>
-        </p:spPr>
-        <p:txBody>
-          <a:bodyPr wrap="square" rtlCol="0">
-            <a:spAutoFit/>
-          </a:bodyPr>
-          <a:lstStyle/>
-          <a:p>
-            <a:r>
-              <a:rPr lang="en-US" sz="2800" dirty="0" err="1" smtClean="0">
-                <a:solidFill>
-                  <a:schemeClr val="accent2"/>
-                </a:solidFill>
-              </a:rPr>
-              <a:t>TeamCity</a:t>
-            </a:r>
-            <a:r>
-              <a:rPr lang="en-US" sz="2800" dirty="0" smtClean="0">
-                <a:solidFill>
-                  <a:schemeClr val="accent2"/>
-                </a:solidFill>
-              </a:rPr>
-              <a:t> + Jenkins +Sonar :</a:t>
-            </a:r>
-            <a:endParaRPr lang="en-US" sz="2800" dirty="0">
-              <a:solidFill>
-                <a:schemeClr val="accent2"/>
-              </a:solidFill>
-            </a:endParaRPr>
-          </a:p>
-        </p:txBody>
-      </p:sp>
-      <p:pic>
-        <p:nvPicPr>
-          <p:cNvPr id="1026" name="Picture 2"/>
-          <p:cNvPicPr>
-            <a:picLocks noChangeAspect="1" noChangeArrowheads="1"/>
-          </p:cNvPicPr>
-          <p:nvPr/>
-        </p:nvPicPr>
-        <p:blipFill>
-          <a:blip r:embed="rId4">
-            <a:extLst>
-              <a:ext uri="{28A0092B-C50C-407E-A947-70E740481C1C}">
-                <a14:useLocalDpi xmlns:a14="http://schemas.microsoft.com/office/drawing/2010/main" val="0"/>
-              </a:ext>
-            </a:extLst>
-          </a:blip>
-          <a:srcRect/>
-          <a:stretch>
-            <a:fillRect/>
-          </a:stretch>
-        </p:blipFill>
-        <p:spPr bwMode="auto">
-          <a:xfrm>
-            <a:off x="19050" y="1056620"/>
-            <a:ext cx="9124949" cy="1457980"/>
-          </a:xfrm>
-          <a:prstGeom prst="rect">
-            <a:avLst/>
-          </a:prstGeom>
-          <a:noFill/>
-          <a:ln>
-            <a:noFill/>
-          </a:ln>
-          <a:extLst>
-            <a:ext uri="{909E8E84-426E-40DD-AFC4-6F175D3DCCD1}">
-              <a14:hiddenFill xmlns:a14="http://schemas.microsoft.com/office/drawing/2010/main">
-                <a:solidFill>
-                  <a:schemeClr val="accent1"/>
-                </a:solidFill>
-              </a14:hiddenFill>
-            </a:ext>
-            <a:ext uri="{91240B29-F687-4F45-9708-019B960494DF}">
-              <a14:hiddenLine xmlns:a14="http://schemas.microsoft.com/office/drawing/2010/main" w="9525">
-                <a:solidFill>
-                  <a:schemeClr val="tx1"/>
-                </a:solidFill>
-                <a:miter lim="800000"/>
-                <a:headEnd/>
-                <a:tailEnd/>
-              </a14:hiddenLine>
-            </a:ext>
-          </a:extLst>
-        </p:spPr>
-      </p:pic>
-      <p:pic>
-        <p:nvPicPr>
-          <p:cNvPr id="2" name="Picture 2"/>
-          <p:cNvPicPr>
-            <a:picLocks noChangeAspect="1" noChangeArrowheads="1"/>
-          </p:cNvPicPr>
-          <p:nvPr/>
-        </p:nvPicPr>
-        <p:blipFill>
-          <a:blip r:embed="rId5">
-            <a:extLst>
-              <a:ext uri="{28A0092B-C50C-407E-A947-70E740481C1C}">
-                <a14:useLocalDpi xmlns:a14="http://schemas.microsoft.com/office/drawing/2010/main" val="0"/>
-              </a:ext>
-            </a:extLst>
-          </a:blip>
-          <a:srcRect/>
-          <a:stretch>
-            <a:fillRect/>
-          </a:stretch>
-        </p:blipFill>
-        <p:spPr bwMode="auto">
-          <a:xfrm>
-            <a:off x="-1" y="1981200"/>
-            <a:ext cx="9144000" cy="552450"/>
+            <a:off x="0" y="3810000"/>
+            <a:ext cx="9143999" cy="3048000"/>
           </a:xfrm>
           <a:prstGeom prst="rect">
             <a:avLst/>
@@ -21299,7 +21687,7 @@
     </p:spTree>
     <p:extLst>
       <p:ext uri="{BB962C8B-B14F-4D97-AF65-F5344CB8AC3E}">
-        <p14:creationId xmlns:p14="http://schemas.microsoft.com/office/powerpoint/2010/main" val="2377703105"/>
+        <p14:creationId xmlns:p14="http://schemas.microsoft.com/office/powerpoint/2010/main" val="2036628322"/>
       </p:ext>
     </p:extLst>
   </p:cSld>
@@ -21309,7 +21697,181 @@
 </p:sld>
 </file>
 
-<file path=ppt/slides/slide7.xml><?xml version="1.0" encoding="utf-8"?>
+<file path=ppt/slides/slide8.xml><?xml version="1.0" encoding="utf-8"?>
+<p:sld xmlns:a="http://schemas.openxmlformats.org/drawingml/2006/main" xmlns:r="http://schemas.openxmlformats.org/officeDocument/2006/relationships" xmlns:p="http://schemas.openxmlformats.org/presentationml/2006/main">
+  <p:cSld>
+    <p:spTree>
+      <p:nvGrpSpPr>
+        <p:cNvPr id="1" name=""/>
+        <p:cNvGrpSpPr/>
+        <p:nvPr/>
+      </p:nvGrpSpPr>
+      <p:grpSpPr>
+        <a:xfrm>
+          <a:off x="0" y="0"/>
+          <a:ext cx="0" cy="0"/>
+          <a:chOff x="0" y="0"/>
+          <a:chExt cx="0" cy="0"/>
+        </a:xfrm>
+      </p:grpSpPr>
+      <p:sp>
+        <p:nvSpPr>
+          <p:cNvPr id="2" name="Title 1"/>
+          <p:cNvSpPr>
+            <a:spLocks noGrp="1"/>
+          </p:cNvSpPr>
+          <p:nvPr>
+            <p:ph type="title"/>
+          </p:nvPr>
+        </p:nvSpPr>
+        <p:spPr>
+          <a:xfrm>
+            <a:off x="0" y="304800"/>
+            <a:ext cx="8229600" cy="1066800"/>
+          </a:xfrm>
+        </p:spPr>
+        <p:txBody>
+          <a:bodyPr/>
+          <a:lstStyle/>
+          <a:p>
+            <a:r>
+              <a:rPr lang="en-US" dirty="0" smtClean="0">
+                <a:solidFill>
+                  <a:schemeClr val="accent2"/>
+                </a:solidFill>
+              </a:rPr>
+              <a:t>Sonar</a:t>
+            </a:r>
+            <a:endParaRPr lang="en-US" dirty="0">
+              <a:solidFill>
+                <a:schemeClr val="accent2"/>
+              </a:solidFill>
+            </a:endParaRPr>
+          </a:p>
+        </p:txBody>
+      </p:sp>
+      <p:sp>
+        <p:nvSpPr>
+          <p:cNvPr id="3" name="Content Placeholder 2"/>
+          <p:cNvSpPr>
+            <a:spLocks noGrp="1"/>
+          </p:cNvSpPr>
+          <p:nvPr>
+            <p:ph idx="1"/>
+          </p:nvPr>
+        </p:nvSpPr>
+        <p:spPr>
+          <a:xfrm>
+            <a:off x="0" y="1219200"/>
+            <a:ext cx="8229600" cy="4325112"/>
+          </a:xfrm>
+        </p:spPr>
+        <p:txBody>
+          <a:bodyPr/>
+          <a:lstStyle/>
+          <a:p>
+            <a:r>
+              <a:rPr lang="en-US" sz="2000" dirty="0" smtClean="0">
+                <a:solidFill>
+                  <a:schemeClr val="accent2"/>
+                </a:solidFill>
+              </a:rPr>
+              <a:t>View issues/rules compliance</a:t>
+            </a:r>
+          </a:p>
+          <a:p>
+            <a:r>
+              <a:rPr lang="en-US" sz="2000" dirty="0" smtClean="0">
+                <a:solidFill>
+                  <a:schemeClr val="accent2"/>
+                </a:solidFill>
+              </a:rPr>
+              <a:t>View test case coverage</a:t>
+            </a:r>
+          </a:p>
+          <a:p>
+            <a:r>
+              <a:rPr lang="en-US" sz="2000" dirty="0" smtClean="0">
+                <a:solidFill>
+                  <a:schemeClr val="accent2"/>
+                </a:solidFill>
+              </a:rPr>
+              <a:t>Improve Code Quality</a:t>
+            </a:r>
+          </a:p>
+          <a:p>
+            <a:endParaRPr lang="en-US" dirty="0"/>
+          </a:p>
+        </p:txBody>
+      </p:sp>
+      <p:pic>
+        <p:nvPicPr>
+          <p:cNvPr id="1027" name="Picture 3"/>
+          <p:cNvPicPr>
+            <a:picLocks noChangeAspect="1" noChangeArrowheads="1"/>
+          </p:cNvPicPr>
+          <p:nvPr/>
+        </p:nvPicPr>
+        <p:blipFill>
+          <a:blip r:embed="rId2">
+            <a:extLst>
+              <a:ext uri="{28A0092B-C50C-407E-A947-70E740481C1C}">
+                <a14:useLocalDpi xmlns:a14="http://schemas.microsoft.com/office/drawing/2010/main" val="0"/>
+              </a:ext>
+            </a:extLst>
+          </a:blip>
+          <a:srcRect/>
+          <a:stretch>
+            <a:fillRect/>
+          </a:stretch>
+        </p:blipFill>
+        <p:spPr bwMode="auto">
+          <a:xfrm>
+            <a:off x="-9525" y="2438400"/>
+            <a:ext cx="9153525" cy="4408895"/>
+          </a:xfrm>
+          <a:prstGeom prst="rect">
+            <a:avLst/>
+          </a:prstGeom>
+          <a:noFill/>
+          <a:ln>
+            <a:noFill/>
+          </a:ln>
+          <a:extLst>
+            <a:ext uri="{909E8E84-426E-40DD-AFC4-6F175D3DCCD1}">
+              <a14:hiddenFill xmlns:a14="http://schemas.microsoft.com/office/drawing/2010/main">
+                <a:solidFill>
+                  <a:schemeClr val="accent1"/>
+                </a:solidFill>
+              </a14:hiddenFill>
+            </a:ext>
+            <a:ext uri="{91240B29-F687-4F45-9708-019B960494DF}">
+              <a14:hiddenLine xmlns:a14="http://schemas.microsoft.com/office/drawing/2010/main" w="9525">
+                <a:solidFill>
+                  <a:schemeClr val="tx1"/>
+                </a:solidFill>
+                <a:miter lim="800000"/>
+                <a:headEnd/>
+                <a:tailEnd/>
+              </a14:hiddenLine>
+            </a:ext>
+          </a:extLst>
+        </p:spPr>
+      </p:pic>
+    </p:spTree>
+    <p:extLst>
+      <p:ext uri="{BB962C8B-B14F-4D97-AF65-F5344CB8AC3E}">
+        <p14:creationId xmlns:p14="http://schemas.microsoft.com/office/powerpoint/2010/main" val="817565346"/>
+      </p:ext>
+    </p:extLst>
+  </p:cSld>
+  <p:clrMapOvr>
+    <a:masterClrMapping/>
+  </p:clrMapOvr>
+</p:sld>
+</file>
+
+<file path=ppt/slides/slide9.xml><?xml version="1.0" encoding="utf-8"?>
 <p:sld xmlns:a="http://schemas.openxmlformats.org/drawingml/2006/main" xmlns:r="http://schemas.openxmlformats.org/officeDocument/2006/relationships" xmlns:p="http://schemas.openxmlformats.org/presentationml/2006/main">
   <p:cSld>
     <p:spTree>

--- a/files/project.introduction.pptx
+++ b/files/project.introduction.pptx
@@ -16,7 +16,7 @@
     <p:sldId id="268" r:id="rId7"/>
     <p:sldId id="266" r:id="rId8"/>
     <p:sldId id="267" r:id="rId9"/>
-    <p:sldId id="263" r:id="rId10"/>
+    <p:sldId id="269" r:id="rId10"/>
     <p:sldId id="265" r:id="rId11"/>
   </p:sldIdLst>
   <p:sldSz cx="9144000" cy="6858000" type="screen4x3"/>
@@ -21553,12 +21553,20 @@
           <a:lstStyle/>
           <a:p>
             <a:r>
+              <a:rPr lang="en-US" sz="2000" dirty="0">
+                <a:solidFill>
+                  <a:schemeClr val="accent2"/>
+                </a:solidFill>
+              </a:rPr>
+              <a:t>Maven Build </a:t>
+            </a:r>
+            <a:r>
               <a:rPr lang="en-US" sz="2000" dirty="0" smtClean="0">
                 <a:solidFill>
                   <a:schemeClr val="accent2"/>
                 </a:solidFill>
               </a:rPr>
-              <a:t>Auto-maven Build</a:t>
+              <a:t>Automation</a:t>
             </a:r>
           </a:p>
           <a:p>
@@ -21568,8 +21576,13 @@
                   <a:schemeClr val="accent2"/>
                 </a:solidFill>
               </a:rPr>
-              <a:t>Auto-Deploy</a:t>
+              <a:t>Auto-Deploy for Dev</a:t>
             </a:r>
+            <a:endParaRPr lang="en-US" sz="2000" dirty="0" smtClean="0">
+              <a:solidFill>
+                <a:schemeClr val="accent2"/>
+              </a:solidFill>
+            </a:endParaRPr>
           </a:p>
           <a:p>
             <a:endParaRPr lang="en-US" dirty="0"/>
@@ -21890,35 +21903,71 @@
       </p:grpSpPr>
       <p:sp>
         <p:nvSpPr>
-          <p:cNvPr id="4" name="TextBox 3"/>
-          <p:cNvSpPr txBox="1"/>
-          <p:nvPr/>
+          <p:cNvPr id="2" name="Title 1"/>
+          <p:cNvSpPr>
+            <a:spLocks noGrp="1"/>
+          </p:cNvSpPr>
+          <p:nvPr>
+            <p:ph type="title"/>
+          </p:nvPr>
         </p:nvSpPr>
         <p:spPr>
           <a:xfrm>
-            <a:off x="0" y="609600"/>
-            <a:ext cx="4679733" cy="523220"/>
+            <a:off x="0" y="304800"/>
+            <a:ext cx="8229600" cy="1066800"/>
           </a:xfrm>
-          <a:prstGeom prst="rect">
-            <a:avLst/>
-          </a:prstGeom>
-          <a:noFill/>
         </p:spPr>
         <p:txBody>
-          <a:bodyPr wrap="square" rtlCol="0">
-            <a:spAutoFit/>
+          <a:bodyPr/>
+          <a:lstStyle/>
+          <a:p>
+            <a:r>
+              <a:rPr lang="en-US" dirty="0" smtClean="0">
+                <a:solidFill>
+                  <a:schemeClr val="accent2"/>
+                </a:solidFill>
+              </a:rPr>
+              <a:t>JIRA Dashboard</a:t>
+            </a:r>
+            <a:endParaRPr lang="en-US" dirty="0">
+              <a:solidFill>
+                <a:schemeClr val="accent2"/>
+              </a:solidFill>
+            </a:endParaRPr>
+          </a:p>
+        </p:txBody>
+      </p:sp>
+      <p:sp>
+        <p:nvSpPr>
+          <p:cNvPr id="3" name="Content Placeholder 2"/>
+          <p:cNvSpPr>
+            <a:spLocks noGrp="1"/>
+          </p:cNvSpPr>
+          <p:nvPr>
+            <p:ph idx="1"/>
+          </p:nvPr>
+        </p:nvSpPr>
+        <p:spPr>
+          <a:xfrm>
+            <a:off x="0" y="1219200"/>
+            <a:ext cx="8229600" cy="4325112"/>
+          </a:xfrm>
+        </p:spPr>
+        <p:txBody>
+          <a:bodyPr>
+            <a:normAutofit/>
           </a:bodyPr>
           <a:lstStyle/>
           <a:p>
             <a:r>
-              <a:rPr lang="en-US" sz="2800" dirty="0" smtClean="0">
+              <a:rPr lang="en-US" sz="2000" dirty="0" smtClean="0">
                 <a:solidFill>
                   <a:schemeClr val="accent2"/>
                 </a:solidFill>
               </a:rPr>
-              <a:t>JIRA Dashboard:</a:t>
+              <a:t>Task assignment and UAT/Production Release Version Control</a:t>
             </a:r>
-            <a:endParaRPr lang="en-US" sz="2800" dirty="0">
+            <a:endParaRPr lang="en-US" sz="2000" dirty="0">
               <a:solidFill>
                 <a:schemeClr val="accent2"/>
               </a:solidFill>
@@ -21928,7 +21977,7 @@
       </p:sp>
       <p:pic>
         <p:nvPicPr>
-          <p:cNvPr id="3075" name="Picture 3"/>
+          <p:cNvPr id="4" name="Picture 3"/>
           <p:cNvPicPr>
             <a:picLocks noChangeAspect="1" noChangeArrowheads="1"/>
           </p:cNvPicPr>
@@ -21949,8 +21998,8 @@
         </p:blipFill>
         <p:spPr bwMode="auto">
           <a:xfrm>
-            <a:off x="1" y="1267858"/>
-            <a:ext cx="9143999" cy="5361542"/>
+            <a:off x="0" y="1676400"/>
+            <a:ext cx="9143999" cy="5181600"/>
           </a:xfrm>
           <a:prstGeom prst="rect">
             <a:avLst/>
@@ -21983,7 +22032,7 @@
     </p:spTree>
     <p:extLst>
       <p:ext uri="{BB962C8B-B14F-4D97-AF65-F5344CB8AC3E}">
-        <p14:creationId xmlns:p14="http://schemas.microsoft.com/office/powerpoint/2010/main" val="1932285552"/>
+        <p14:creationId xmlns:p14="http://schemas.microsoft.com/office/powerpoint/2010/main" val="1850689866"/>
       </p:ext>
     </p:extLst>
   </p:cSld>
